--- a/Project/Presentation/Mid_term_presentation.pptx
+++ b/Project/Presentation/Mid_term_presentation.pptx
@@ -3937,7 +3937,97 @@
             <a:pPr marL="605148" lvl="1" indent="0">
               <a:buNone/>
             </a:pPr>
-            <a:endParaRPr lang="nl-NL" i="1" dirty="0" smtClean="0"/>
+            <a:r>
+              <a:rPr lang="nl-NL" dirty="0" err="1" smtClean="0"/>
+              <a:t>Ours</a:t>
+            </a:r>
+            <a:r>
+              <a:rPr lang="nl-NL" dirty="0" smtClean="0"/>
+              <a:t> </a:t>
+            </a:r>
+            <a:r>
+              <a:rPr lang="nl-NL" dirty="0" err="1" smtClean="0"/>
+              <a:t>only</a:t>
+            </a:r>
+            <a:r>
+              <a:rPr lang="nl-NL" dirty="0" smtClean="0"/>
+              <a:t> </a:t>
+            </a:r>
+            <a:r>
+              <a:rPr lang="nl-NL" dirty="0" err="1" smtClean="0"/>
+              <a:t>goes</a:t>
+            </a:r>
+            <a:r>
+              <a:rPr lang="nl-NL" dirty="0" smtClean="0"/>
+              <a:t> </a:t>
+            </a:r>
+            <a:r>
+              <a:rPr lang="nl-NL" dirty="0" err="1" smtClean="0"/>
+              <a:t>to</a:t>
+            </a:r>
+            <a:r>
+              <a:rPr lang="nl-NL" dirty="0" smtClean="0"/>
+              <a:t> </a:t>
+            </a:r>
+            <a:r>
+              <a:rPr lang="nl-NL" dirty="0" smtClean="0">
+                <a:solidFill>
+                  <a:srgbClr val="FF0000"/>
+                </a:solidFill>
+              </a:rPr>
+              <a:t>512</a:t>
+            </a:r>
+            <a:r>
+              <a:rPr lang="nl-NL" dirty="0" smtClean="0"/>
+              <a:t>, but we experiment </a:t>
+            </a:r>
+            <a:r>
+              <a:rPr lang="nl-NL" dirty="0" err="1" smtClean="0"/>
+              <a:t>with</a:t>
+            </a:r>
+            <a:r>
+              <a:rPr lang="nl-NL" dirty="0" smtClean="0"/>
+              <a:t> differen</a:t>
+            </a:r>
+            <a:r>
+              <a:rPr lang="nl-NL" dirty="0" smtClean="0"/>
+              <a:t>t </a:t>
+            </a:r>
+            <a:r>
+              <a:rPr lang="nl-NL" dirty="0" err="1" smtClean="0"/>
+              <a:t>architectures</a:t>
+            </a:r>
+            <a:endParaRPr lang="nl-NL" dirty="0" smtClean="0"/>
+          </a:p>
+          <a:p>
+            <a:pPr marL="605148" lvl="1" indent="0">
+              <a:buNone/>
+            </a:pPr>
+            <a:r>
+              <a:rPr lang="nl-NL" dirty="0" smtClean="0"/>
+              <a:t>We train on patches of </a:t>
+            </a:r>
+            <a:r>
+              <a:rPr lang="nl-NL" dirty="0" smtClean="0">
+                <a:solidFill>
+                  <a:srgbClr val="FF0000"/>
+                </a:solidFill>
+              </a:rPr>
+              <a:t>512</a:t>
+            </a:r>
+            <a:r>
+              <a:rPr lang="nl-NL" dirty="0" smtClean="0"/>
+              <a:t>x</a:t>
+            </a:r>
+            <a:r>
+              <a:rPr lang="nl-NL" dirty="0" smtClean="0">
+                <a:solidFill>
+                  <a:srgbClr val="FF0000"/>
+                </a:solidFill>
+              </a:rPr>
+              <a:t>512</a:t>
+            </a:r>
+            <a:endParaRPr lang="nl-NL" dirty="0" smtClean="0"/>
           </a:p>
         </p:txBody>
       </p:sp>
@@ -4144,9 +4234,179 @@
           <a:bodyPr/>
           <a:lstStyle/>
           <a:p>
-            <a:pPr marL="605148" lvl="1" indent="0">
-              <a:buNone/>
-            </a:pPr>
+            <a:pPr lvl="1"/>
+            <a:r>
+              <a:rPr lang="nl-NL" i="1" dirty="0" err="1" smtClean="0"/>
+              <a:t>Figure</a:t>
+            </a:r>
+            <a:r>
+              <a:rPr lang="nl-NL" i="1" dirty="0" smtClean="0"/>
+              <a:t> out different </a:t>
+            </a:r>
+            <a:r>
+              <a:rPr lang="nl-NL" i="1" dirty="0" err="1" smtClean="0"/>
+              <a:t>ways</a:t>
+            </a:r>
+            <a:r>
+              <a:rPr lang="nl-NL" i="1" dirty="0" smtClean="0"/>
+              <a:t> </a:t>
+            </a:r>
+            <a:r>
+              <a:rPr lang="nl-NL" i="1" dirty="0" err="1" smtClean="0"/>
+              <a:t>to</a:t>
+            </a:r>
+            <a:r>
+              <a:rPr lang="nl-NL" i="1" dirty="0" smtClean="0"/>
+              <a:t> get </a:t>
+            </a:r>
+            <a:r>
+              <a:rPr lang="nl-NL" i="1" dirty="0" err="1" smtClean="0"/>
+              <a:t>the</a:t>
+            </a:r>
+            <a:r>
+              <a:rPr lang="nl-NL" i="1" dirty="0" smtClean="0"/>
+              <a:t> center of </a:t>
+            </a:r>
+            <a:r>
+              <a:rPr lang="nl-NL" i="1" dirty="0" err="1" smtClean="0"/>
+              <a:t>annotation</a:t>
+            </a:r>
+            <a:endParaRPr lang="nl-NL" i="1" dirty="0" smtClean="0"/>
+          </a:p>
+          <a:p>
+            <a:pPr lvl="1"/>
+            <a:r>
+              <a:rPr lang="nl-NL" i="1" dirty="0" smtClean="0"/>
+              <a:t>Different </a:t>
+            </a:r>
+            <a:r>
+              <a:rPr lang="nl-NL" i="1" dirty="0" err="1" smtClean="0"/>
+              <a:t>augmentations</a:t>
+            </a:r>
+            <a:r>
+              <a:rPr lang="nl-NL" i="1" dirty="0" smtClean="0"/>
+              <a:t>  - </a:t>
+            </a:r>
+            <a:r>
+              <a:rPr lang="nl-NL" i="1" dirty="0" err="1" smtClean="0"/>
+              <a:t>such</a:t>
+            </a:r>
+            <a:r>
+              <a:rPr lang="nl-NL" i="1" dirty="0" smtClean="0"/>
+              <a:t> as </a:t>
+            </a:r>
+            <a:r>
+              <a:rPr lang="nl-NL" i="1" dirty="0" err="1" smtClean="0"/>
+              <a:t>warping</a:t>
+            </a:r>
+            <a:endParaRPr lang="nl-NL" i="1" dirty="0" smtClean="0"/>
+          </a:p>
+          <a:p>
+            <a:pPr lvl="1"/>
+            <a:r>
+              <a:rPr lang="nl-NL" i="1" dirty="0" err="1" smtClean="0"/>
+              <a:t>Better</a:t>
+            </a:r>
+            <a:r>
+              <a:rPr lang="nl-NL" i="1" dirty="0" smtClean="0"/>
+              <a:t> sampling </a:t>
+            </a:r>
+            <a:r>
+              <a:rPr lang="nl-NL" i="1" dirty="0" err="1" smtClean="0"/>
+              <a:t>techniques</a:t>
+            </a:r>
+            <a:endParaRPr lang="nl-NL" i="1" dirty="0" smtClean="0"/>
+          </a:p>
+          <a:p>
+            <a:pPr lvl="1"/>
+            <a:r>
+              <a:rPr lang="nl-NL" i="1" dirty="0" err="1" smtClean="0"/>
+              <a:t>Try</a:t>
+            </a:r>
+            <a:r>
+              <a:rPr lang="nl-NL" i="1" dirty="0" smtClean="0"/>
+              <a:t> </a:t>
+            </a:r>
+            <a:r>
+              <a:rPr lang="nl-NL" i="1" dirty="0" err="1" smtClean="0"/>
+              <a:t>and</a:t>
+            </a:r>
+            <a:r>
+              <a:rPr lang="nl-NL" i="1" dirty="0" smtClean="0"/>
+              <a:t> </a:t>
+            </a:r>
+            <a:r>
+              <a:rPr lang="nl-NL" i="1" dirty="0" err="1" smtClean="0"/>
+              <a:t>evaluate</a:t>
+            </a:r>
+            <a:r>
+              <a:rPr lang="nl-NL" i="1" dirty="0" smtClean="0"/>
+              <a:t> manual </a:t>
+            </a:r>
+            <a:r>
+              <a:rPr lang="nl-NL" i="1" dirty="0" err="1" smtClean="0"/>
+              <a:t>annotation</a:t>
+            </a:r>
+            <a:endParaRPr lang="nl-NL" i="1" dirty="0" smtClean="0"/>
+          </a:p>
+          <a:p>
+            <a:pPr lvl="1"/>
+            <a:r>
+              <a:rPr lang="nl-NL" i="1" dirty="0" err="1" smtClean="0"/>
+              <a:t>Customize</a:t>
+            </a:r>
+            <a:r>
+              <a:rPr lang="nl-NL" i="1" dirty="0" smtClean="0"/>
+              <a:t> our </a:t>
+            </a:r>
+            <a:r>
+              <a:rPr lang="nl-NL" i="1" dirty="0" err="1" smtClean="0"/>
+              <a:t>own</a:t>
+            </a:r>
+            <a:r>
+              <a:rPr lang="nl-NL" i="1" dirty="0"/>
+              <a:t> </a:t>
+            </a:r>
+            <a:r>
+              <a:rPr lang="nl-NL" i="1" dirty="0" err="1" smtClean="0"/>
+              <a:t>loss</a:t>
+            </a:r>
+            <a:r>
+              <a:rPr lang="nl-NL" i="1" dirty="0" smtClean="0"/>
+              <a:t> </a:t>
+            </a:r>
+            <a:r>
+              <a:rPr lang="nl-NL" i="1" dirty="0" err="1" smtClean="0"/>
+              <a:t>function</a:t>
+            </a:r>
+            <a:r>
+              <a:rPr lang="nl-NL" i="1" dirty="0" smtClean="0"/>
+              <a:t> </a:t>
+            </a:r>
+            <a:r>
+              <a:rPr lang="nl-NL" i="1" dirty="0" err="1" smtClean="0"/>
+              <a:t>with</a:t>
+            </a:r>
+            <a:r>
+              <a:rPr lang="nl-NL" i="1" dirty="0" smtClean="0"/>
+              <a:t> a </a:t>
+            </a:r>
+            <a:r>
+              <a:rPr lang="nl-NL" i="1" dirty="0" err="1" smtClean="0"/>
+              <a:t>better</a:t>
+            </a:r>
+            <a:r>
+              <a:rPr lang="nl-NL" i="1" dirty="0" smtClean="0"/>
+              <a:t> penalty </a:t>
+            </a:r>
+            <a:r>
+              <a:rPr lang="nl-NL" i="1" dirty="0" err="1" smtClean="0"/>
+              <a:t>for</a:t>
+            </a:r>
+            <a:r>
+              <a:rPr lang="nl-NL" i="1" dirty="0" smtClean="0"/>
+              <a:t> background</a:t>
+            </a:r>
             <a:endParaRPr lang="nl-NL" i="1" dirty="0" smtClean="0"/>
           </a:p>
         </p:txBody>
@@ -4213,7 +4473,7 @@
           <a:p>
             <a:r>
               <a:rPr lang="nl-NL" sz="5400" dirty="0" smtClean="0"/>
-              <a:t>The Boy Band</a:t>
+              <a:t> The Boy Band</a:t>
             </a:r>
             <a:endParaRPr lang="nl-NL" sz="5400" dirty="0"/>
           </a:p>
@@ -4236,7 +4496,9 @@
           </a:xfrm>
         </p:spPr>
         <p:txBody>
-          <a:bodyPr/>
+          <a:bodyPr>
+            <a:normAutofit fontScale="92500" lnSpcReduction="20000"/>
+          </a:bodyPr>
           <a:lstStyle/>
           <a:p>
             <a:pPr marL="0" indent="0" algn="ctr">
@@ -4261,11 +4523,51 @@
             </a:r>
             <a:r>
               <a:rPr lang="nl-NL" i="1" dirty="0" err="1" smtClean="0"/>
-              <a:t>What</a:t>
+              <a:t>They</a:t>
             </a:r>
             <a:r>
               <a:rPr lang="nl-NL" i="1" dirty="0" smtClean="0"/>
-              <a:t>?”</a:t>
+              <a:t> </a:t>
+            </a:r>
+            <a:r>
+              <a:rPr lang="nl-NL" i="1" dirty="0" err="1" smtClean="0"/>
+              <a:t>dont</a:t>
+            </a:r>
+            <a:r>
+              <a:rPr lang="nl-NL" i="1" dirty="0" smtClean="0"/>
+              <a:t> </a:t>
+            </a:r>
+            <a:r>
+              <a:rPr lang="nl-NL" i="1" dirty="0" err="1" smtClean="0"/>
+              <a:t>dare</a:t>
+            </a:r>
+            <a:r>
+              <a:rPr lang="nl-NL" i="1" dirty="0" smtClean="0"/>
+              <a:t> </a:t>
+            </a:r>
+            <a:r>
+              <a:rPr lang="nl-NL" i="1" dirty="0" err="1" smtClean="0"/>
+              <a:t>to</a:t>
+            </a:r>
+            <a:r>
+              <a:rPr lang="nl-NL" i="1" dirty="0" smtClean="0"/>
+              <a:t> </a:t>
+            </a:r>
+            <a:r>
+              <a:rPr lang="nl-NL" i="1" dirty="0" err="1" smtClean="0"/>
+              <a:t>give</a:t>
+            </a:r>
+            <a:r>
+              <a:rPr lang="nl-NL" i="1" dirty="0" smtClean="0"/>
+              <a:t> me a </a:t>
+            </a:r>
+            <a:r>
+              <a:rPr lang="nl-NL" i="1" dirty="0" err="1" smtClean="0"/>
+              <a:t>nickname</a:t>
+            </a:r>
+            <a:r>
+              <a:rPr lang="nl-NL" i="1" dirty="0" smtClean="0"/>
+              <a:t>”</a:t>
             </a:r>
           </a:p>
           <a:p>
@@ -4339,7 +4641,13 @@
         </p:nvPicPr>
         <p:blipFill>
           <a:blip r:embed="rId2">
-            <a:grayscl/>
+            <a:duotone>
+              <a:schemeClr val="accent2">
+                <a:shade val="45000"/>
+                <a:satMod val="135000"/>
+              </a:schemeClr>
+              <a:prstClr val="white"/>
+            </a:duotone>
             <a:extLst>
               <a:ext uri="{28A0092B-C50C-407E-A947-70E740481C1C}">
                 <a14:useLocalDpi xmlns:a14="http://schemas.microsoft.com/office/drawing/2010/main" val="0"/>
@@ -4353,7 +4661,7 @@
         </p:blipFill>
         <p:spPr bwMode="auto">
           <a:xfrm>
-            <a:off x="9015440" y="1070175"/>
+            <a:off x="9015440" y="1095484"/>
             <a:ext cx="3028054" cy="3028054"/>
           </a:xfrm>
           <a:prstGeom prst="ellipse">
@@ -4404,7 +4712,13 @@
         </p:nvPicPr>
         <p:blipFill rotWithShape="1">
           <a:blip r:embed="rId3">
-            <a:grayscl/>
+            <a:duotone>
+              <a:schemeClr val="accent2">
+                <a:shade val="45000"/>
+                <a:satMod val="135000"/>
+              </a:schemeClr>
+              <a:prstClr val="white"/>
+            </a:duotone>
             <a:extLst>
               <a:ext uri="{28A0092B-C50C-407E-A947-70E740481C1C}">
                 <a14:useLocalDpi xmlns:a14="http://schemas.microsoft.com/office/drawing/2010/main" val="0"/>
@@ -4467,7 +4781,13 @@
         </p:nvPicPr>
         <p:blipFill>
           <a:blip r:embed="rId4">
-            <a:grayscl/>
+            <a:duotone>
+              <a:schemeClr val="accent2">
+                <a:shade val="45000"/>
+                <a:satMod val="135000"/>
+              </a:schemeClr>
+              <a:prstClr val="white"/>
+            </a:duotone>
             <a:extLst>
               <a:ext uri="{28A0092B-C50C-407E-A947-70E740481C1C}">
                 <a14:useLocalDpi xmlns:a14="http://schemas.microsoft.com/office/drawing/2010/main" val="0"/>
@@ -4532,7 +4852,13 @@
         </p:nvPicPr>
         <p:blipFill rotWithShape="1">
           <a:blip r:embed="rId5">
-            <a:grayscl/>
+            <a:duotone>
+              <a:schemeClr val="accent2">
+                <a:shade val="45000"/>
+                <a:satMod val="135000"/>
+              </a:schemeClr>
+              <a:prstClr val="white"/>
+            </a:duotone>
             <a:extLst>
               <a:ext uri="{28A0092B-C50C-407E-A947-70E740481C1C}">
                 <a14:useLocalDpi xmlns:a14="http://schemas.microsoft.com/office/drawing/2010/main" val="0"/>
@@ -4823,11 +5149,11 @@
             </a:pPr>
             <a:r>
               <a:rPr lang="nl-NL" i="1" dirty="0" smtClean="0"/>
-              <a:t>“</a:t>
+              <a:t>“My loops are </a:t>
             </a:r>
             <a:r>
               <a:rPr lang="nl-NL" i="1" dirty="0" err="1" smtClean="0"/>
-              <a:t>There’s</a:t>
+              <a:t>better</a:t>
             </a:r>
             <a:r>
               <a:rPr lang="nl-NL" i="1" dirty="0" smtClean="0"/>
@@ -4835,15 +5161,7 @@
             </a:r>
             <a:r>
               <a:rPr lang="nl-NL" i="1" dirty="0" err="1" smtClean="0"/>
-              <a:t>something</a:t>
-            </a:r>
-            <a:r>
-              <a:rPr lang="nl-NL" i="1" dirty="0" smtClean="0"/>
-              <a:t> wrong </a:t>
-            </a:r>
-            <a:r>
-              <a:rPr lang="nl-NL" i="1" dirty="0" err="1" smtClean="0"/>
-              <a:t>with</a:t>
+              <a:t>than</a:t>
             </a:r>
             <a:r>
               <a:rPr lang="nl-NL" i="1" dirty="0" smtClean="0"/>
@@ -4851,42 +5169,12 @@
             </a:r>
             <a:r>
               <a:rPr lang="nl-NL" i="1" dirty="0" err="1" smtClean="0"/>
-              <a:t>your</a:t>
-            </a:r>
-            <a:r>
-              <a:rPr lang="nl-NL" i="1" dirty="0" smtClean="0"/>
-              <a:t> </a:t>
-            </a:r>
-            <a:r>
-              <a:rPr lang="nl-NL" i="1" dirty="0" err="1" smtClean="0"/>
-              <a:t>network</a:t>
-            </a:r>
-            <a:r>
-              <a:rPr lang="nl-NL" i="1" dirty="0" smtClean="0"/>
-              <a:t> Jeff </a:t>
-            </a:r>
-            <a:r>
-              <a:rPr lang="nl-NL" i="1" dirty="0" err="1" smtClean="0"/>
-              <a:t>pls</a:t>
-            </a:r>
-            <a:r>
-              <a:rPr lang="nl-NL" i="1" dirty="0" smtClean="0"/>
-              <a:t> fix </a:t>
-            </a:r>
-            <a:r>
-              <a:rPr lang="nl-NL" i="1" dirty="0" err="1" smtClean="0"/>
-              <a:t>it</a:t>
+              <a:t>numpy</a:t>
             </a:r>
             <a:r>
               <a:rPr lang="nl-NL" i="1" dirty="0" smtClean="0"/>
               <a:t>”</a:t>
             </a:r>
-          </a:p>
-          <a:p>
-            <a:pPr marL="0" indent="0" algn="ctr">
-              <a:buFont typeface="Arial" charset="0"/>
-              <a:buNone/>
-            </a:pPr>
             <a:endParaRPr lang="nl-NL" dirty="0" smtClean="0"/>
           </a:p>
           <a:p>
@@ -4954,7 +5242,7 @@
             <a:prstTxWarp prst="textNoShape">
               <a:avLst/>
             </a:prstTxWarp>
-            <a:normAutofit/>
+            <a:normAutofit fontScale="92500" lnSpcReduction="20000"/>
           </a:bodyPr>
           <a:lstStyle>
             <a:lvl1pPr marL="609951" indent="-609951" algn="l" defTabSz="866215" rtl="0" eaLnBrk="1" fontAlgn="base" hangingPunct="1">
@@ -5148,11 +5436,35 @@
             </a:r>
             <a:r>
               <a:rPr lang="nl-NL" i="1" dirty="0" err="1" smtClean="0"/>
-              <a:t>Who</a:t>
+              <a:t>Suspicious</a:t>
             </a:r>
             <a:r>
               <a:rPr lang="nl-NL" i="1" dirty="0" smtClean="0"/>
-              <a:t>?”</a:t>
+              <a:t> </a:t>
+            </a:r>
+            <a:r>
+              <a:rPr lang="nl-NL" i="1" dirty="0" err="1" smtClean="0"/>
+              <a:t>hatchet</a:t>
+            </a:r>
+            <a:r>
+              <a:rPr lang="nl-NL" i="1" dirty="0" smtClean="0"/>
+              <a:t> </a:t>
+            </a:r>
+            <a:r>
+              <a:rPr lang="nl-NL" i="1" dirty="0" err="1" smtClean="0"/>
+              <a:t>not</a:t>
+            </a:r>
+            <a:r>
+              <a:rPr lang="nl-NL" i="1" dirty="0" smtClean="0"/>
+              <a:t> </a:t>
+            </a:r>
+            <a:r>
+              <a:rPr lang="nl-NL" i="1" dirty="0" err="1" smtClean="0"/>
+              <a:t>included</a:t>
+            </a:r>
+            <a:r>
+              <a:rPr lang="nl-NL" i="1" dirty="0" smtClean="0"/>
+              <a:t>”</a:t>
             </a:r>
           </a:p>
           <a:p>
@@ -5544,89 +5856,129 @@
           <a:bodyPr/>
           <a:lstStyle/>
           <a:p>
-            <a:pPr marL="605148" lvl="1" indent="0">
-              <a:buNone/>
-            </a:pPr>
-            <a:r>
-              <a:rPr lang="nl-NL" i="1" dirty="0" smtClean="0"/>
+            <a:pPr lvl="1"/>
+            <a:r>
+              <a:rPr lang="nl-NL" dirty="0" smtClean="0"/>
               <a:t>Scans </a:t>
             </a:r>
             <a:r>
-              <a:rPr lang="nl-NL" i="1" dirty="0" err="1" smtClean="0"/>
+              <a:rPr lang="nl-NL" dirty="0" err="1" smtClean="0"/>
               <a:t>contain</a:t>
             </a:r>
             <a:r>
-              <a:rPr lang="nl-NL" i="1" dirty="0" smtClean="0"/>
+              <a:rPr lang="nl-NL" dirty="0" smtClean="0"/>
               <a:t> </a:t>
             </a:r>
             <a:r>
-              <a:rPr lang="nl-NL" i="1" dirty="0" err="1" smtClean="0"/>
+              <a:rPr lang="nl-NL" dirty="0" err="1" smtClean="0">
+                <a:solidFill>
+                  <a:srgbClr val="FF0000"/>
+                </a:solidFill>
+              </a:rPr>
               <a:t>lymphocytes</a:t>
             </a:r>
-            <a:endParaRPr lang="nl-NL" i="1" dirty="0" smtClean="0"/>
-          </a:p>
-          <a:p>
-            <a:pPr marL="605148" lvl="1" indent="0">
-              <a:buNone/>
-            </a:pPr>
-            <a:r>
-              <a:rPr lang="nl-NL" i="1" dirty="0" err="1" smtClean="0"/>
+            <a:endParaRPr lang="nl-NL" dirty="0" smtClean="0">
+              <a:solidFill>
+                <a:srgbClr val="FF0000"/>
+              </a:solidFill>
+            </a:endParaRPr>
+          </a:p>
+          <a:p>
+            <a:pPr lvl="1"/>
+            <a:r>
+              <a:rPr lang="nl-NL" dirty="0" err="1" smtClean="0">
+                <a:solidFill>
+                  <a:srgbClr val="FF0000"/>
+                </a:solidFill>
+              </a:rPr>
               <a:t>Breast</a:t>
             </a:r>
             <a:r>
-              <a:rPr lang="nl-NL" i="1" dirty="0" smtClean="0"/>
-              <a:t>, colon, </a:t>
-            </a:r>
-            <a:r>
-              <a:rPr lang="nl-NL" i="1" dirty="0" err="1" smtClean="0"/>
+              <a:rPr lang="nl-NL" dirty="0" smtClean="0"/>
+              <a:t>, </a:t>
+            </a:r>
+            <a:r>
+              <a:rPr lang="nl-NL" dirty="0" smtClean="0">
+                <a:solidFill>
+                  <a:srgbClr val="FF0000"/>
+                </a:solidFill>
+              </a:rPr>
+              <a:t>colon</a:t>
+            </a:r>
+            <a:r>
+              <a:rPr lang="nl-NL" dirty="0" smtClean="0"/>
+              <a:t>, </a:t>
+            </a:r>
+            <a:r>
+              <a:rPr lang="nl-NL" dirty="0" err="1" smtClean="0"/>
               <a:t>and</a:t>
             </a:r>
             <a:r>
-              <a:rPr lang="nl-NL" i="1" dirty="0" smtClean="0"/>
+              <a:rPr lang="nl-NL" dirty="0" smtClean="0"/>
               <a:t> </a:t>
             </a:r>
             <a:r>
-              <a:rPr lang="nl-NL" i="1" dirty="0" err="1" smtClean="0"/>
+              <a:rPr lang="nl-NL" dirty="0" err="1" smtClean="0">
+                <a:solidFill>
+                  <a:srgbClr val="FF0000"/>
+                </a:solidFill>
+              </a:rPr>
               <a:t>prostate</a:t>
             </a:r>
-            <a:endParaRPr lang="nl-NL" i="1" dirty="0" smtClean="0"/>
-          </a:p>
-          <a:p>
-            <a:pPr marL="605148" lvl="1" indent="0">
-              <a:buNone/>
-            </a:pPr>
-            <a:r>
-              <a:rPr lang="nl-NL" i="1" dirty="0" err="1" smtClean="0"/>
-              <a:t>Variations</a:t>
-            </a:r>
-            <a:r>
-              <a:rPr lang="nl-NL" i="1" dirty="0" smtClean="0"/>
+            <a:endParaRPr lang="nl-NL" dirty="0" smtClean="0">
+              <a:solidFill>
+                <a:srgbClr val="FF0000"/>
+              </a:solidFill>
+            </a:endParaRPr>
+          </a:p>
+          <a:p>
+            <a:pPr lvl="1"/>
+            <a:r>
+              <a:rPr lang="nl-NL" dirty="0" smtClean="0">
+                <a:solidFill>
+                  <a:srgbClr val="FF0000"/>
+                </a:solidFill>
+              </a:rPr>
+              <a:t>Strong  </a:t>
+            </a:r>
+            <a:r>
+              <a:rPr lang="nl-NL" dirty="0" err="1" smtClean="0">
+                <a:solidFill>
+                  <a:srgbClr val="FF0000"/>
+                </a:solidFill>
+              </a:rPr>
+              <a:t>variations</a:t>
+            </a:r>
+            <a:r>
+              <a:rPr lang="nl-NL" dirty="0" smtClean="0"/>
               <a:t> in </a:t>
             </a:r>
             <a:r>
-              <a:rPr lang="nl-NL" i="1" dirty="0" err="1" smtClean="0"/>
+              <a:rPr lang="nl-NL" dirty="0" err="1" smtClean="0"/>
               <a:t>dimensions</a:t>
             </a:r>
-            <a:endParaRPr lang="nl-NL" i="1" dirty="0" smtClean="0"/>
-          </a:p>
-          <a:p>
-            <a:pPr marL="605148" lvl="1" indent="0">
-              <a:buNone/>
-            </a:pPr>
-            <a:r>
-              <a:rPr lang="nl-NL" i="1" dirty="0" err="1" smtClean="0"/>
+            <a:endParaRPr lang="nl-NL" dirty="0" smtClean="0"/>
+          </a:p>
+          <a:p>
+            <a:pPr lvl="1"/>
+            <a:r>
+              <a:rPr lang="nl-NL" dirty="0" err="1" smtClean="0"/>
               <a:t>Locations</a:t>
             </a:r>
             <a:r>
-              <a:rPr lang="nl-NL" i="1" dirty="0" smtClean="0"/>
+              <a:rPr lang="nl-NL" dirty="0" smtClean="0"/>
               <a:t> in </a:t>
             </a:r>
             <a:r>
-              <a:rPr lang="nl-NL" i="1" dirty="0" err="1" smtClean="0"/>
+              <a:rPr lang="nl-NL" dirty="0" err="1" smtClean="0">
+                <a:solidFill>
+                  <a:srgbClr val="FF0000"/>
+                </a:solidFill>
+              </a:rPr>
               <a:t>csv</a:t>
             </a:r>
             <a:r>
-              <a:rPr lang="nl-NL" i="1" dirty="0" smtClean="0"/>
+              <a:rPr lang="nl-NL" dirty="0" smtClean="0"/>
               <a:t> file</a:t>
             </a:r>
           </a:p>
@@ -5638,6 +5990,35 @@
           </a:p>
         </p:txBody>
       </p:sp>
+      <p:pic>
+        <p:nvPicPr>
+          <p:cNvPr id="7" name="Picture 6"/>
+          <p:cNvPicPr>
+            <a:picLocks noChangeAspect="1"/>
+          </p:cNvPicPr>
+          <p:nvPr/>
+        </p:nvPicPr>
+        <p:blipFill>
+          <a:blip r:embed="rId2"/>
+          <a:stretch>
+            <a:fillRect/>
+          </a:stretch>
+        </p:blipFill>
+        <p:spPr>
+          <a:xfrm>
+            <a:off x="10907712" y="1991995"/>
+            <a:ext cx="4545648" cy="4545648"/>
+          </a:xfrm>
+          <a:prstGeom prst="rect">
+            <a:avLst/>
+          </a:prstGeom>
+          <a:ln w="12700">
+            <a:solidFill>
+              <a:schemeClr val="tx1"/>
+            </a:solidFill>
+          </a:ln>
+        </p:spPr>
+      </p:pic>
     </p:spTree>
     <p:extLst>
       <p:ext uri="{BB962C8B-B14F-4D97-AF65-F5344CB8AC3E}">
@@ -5734,9 +6115,194 @@
           <a:bodyPr/>
           <a:lstStyle/>
           <a:p>
-            <a:pPr marL="605148" lvl="1" indent="0">
-              <a:buNone/>
-            </a:pPr>
+            <a:pPr lvl="1"/>
+            <a:r>
+              <a:rPr lang="nl-NL" dirty="0" smtClean="0">
+                <a:solidFill>
+                  <a:srgbClr val="FF0000"/>
+                </a:solidFill>
+              </a:rPr>
+              <a:t>Strong</a:t>
+            </a:r>
+            <a:r>
+              <a:rPr lang="nl-NL" dirty="0" smtClean="0"/>
+              <a:t> </a:t>
+            </a:r>
+            <a:r>
+              <a:rPr lang="nl-NL" dirty="0" smtClean="0">
+                <a:solidFill>
+                  <a:srgbClr val="FF0000"/>
+                </a:solidFill>
+              </a:rPr>
+              <a:t>case</a:t>
+            </a:r>
+            <a:r>
+              <a:rPr lang="nl-NL" dirty="0" smtClean="0"/>
+              <a:t> </a:t>
+            </a:r>
+            <a:r>
+              <a:rPr lang="nl-NL" dirty="0" err="1" smtClean="0"/>
+              <a:t>for</a:t>
+            </a:r>
+            <a:r>
+              <a:rPr lang="nl-NL" dirty="0" smtClean="0"/>
+              <a:t> </a:t>
+            </a:r>
+            <a:r>
+              <a:rPr lang="nl-NL" dirty="0" err="1" smtClean="0"/>
+              <a:t>counting</a:t>
+            </a:r>
+            <a:r>
+              <a:rPr lang="nl-NL" dirty="0" smtClean="0"/>
+              <a:t> </a:t>
+            </a:r>
+            <a:r>
+              <a:rPr lang="nl-NL" dirty="0" err="1" smtClean="0"/>
+              <a:t>lymphocytes</a:t>
+            </a:r>
+            <a:endParaRPr lang="nl-NL" dirty="0" smtClean="0"/>
+          </a:p>
+          <a:p>
+            <a:pPr lvl="1"/>
+            <a:r>
+              <a:rPr lang="nl-NL" dirty="0" smtClean="0">
+                <a:solidFill>
+                  <a:srgbClr val="FF0000"/>
+                </a:solidFill>
+              </a:rPr>
+              <a:t>Train</a:t>
+            </a:r>
+            <a:r>
+              <a:rPr lang="nl-NL" dirty="0" smtClean="0"/>
+              <a:t> a model </a:t>
+            </a:r>
+            <a:r>
+              <a:rPr lang="nl-NL" dirty="0" err="1" smtClean="0"/>
+              <a:t>to</a:t>
+            </a:r>
+            <a:r>
+              <a:rPr lang="nl-NL" dirty="0" smtClean="0"/>
+              <a:t> </a:t>
+            </a:r>
+            <a:r>
+              <a:rPr lang="nl-NL" dirty="0" err="1" smtClean="0"/>
+              <a:t>detect</a:t>
+            </a:r>
+            <a:r>
+              <a:rPr lang="nl-NL" dirty="0" smtClean="0"/>
+              <a:t> </a:t>
+            </a:r>
+            <a:r>
+              <a:rPr lang="nl-NL" dirty="0" err="1" smtClean="0"/>
+              <a:t>them</a:t>
+            </a:r>
+            <a:endParaRPr lang="nl-NL" dirty="0" smtClean="0"/>
+          </a:p>
+          <a:p>
+            <a:pPr lvl="1"/>
+            <a:r>
+              <a:rPr lang="nl-NL" dirty="0" err="1" smtClean="0">
+                <a:solidFill>
+                  <a:srgbClr val="FF0000"/>
+                </a:solidFill>
+              </a:rPr>
+              <a:t>Predict</a:t>
+            </a:r>
+            <a:r>
+              <a:rPr lang="nl-NL" dirty="0" smtClean="0">
+                <a:solidFill>
+                  <a:srgbClr val="FF0000"/>
+                </a:solidFill>
+              </a:rPr>
+              <a:t> </a:t>
+            </a:r>
+            <a:r>
+              <a:rPr lang="nl-NL" dirty="0" err="1" smtClean="0"/>
+              <a:t>and</a:t>
+            </a:r>
+            <a:r>
+              <a:rPr lang="nl-NL" dirty="0" smtClean="0"/>
+              <a:t> output </a:t>
+            </a:r>
+            <a:r>
+              <a:rPr lang="nl-NL" dirty="0" err="1" smtClean="0"/>
+              <a:t>the</a:t>
+            </a:r>
+            <a:r>
+              <a:rPr lang="nl-NL" dirty="0" smtClean="0"/>
+              <a:t> </a:t>
+            </a:r>
+            <a:r>
+              <a:rPr lang="nl-NL" dirty="0" err="1" smtClean="0"/>
+              <a:t>coordinates</a:t>
+            </a:r>
+            <a:r>
+              <a:rPr lang="nl-NL" dirty="0" smtClean="0"/>
+              <a:t> of </a:t>
+            </a:r>
+            <a:r>
+              <a:rPr lang="nl-NL" dirty="0" err="1" smtClean="0"/>
+              <a:t>the</a:t>
+            </a:r>
+            <a:r>
+              <a:rPr lang="nl-NL" dirty="0" smtClean="0"/>
+              <a:t> </a:t>
+            </a:r>
+            <a:r>
+              <a:rPr lang="nl-NL" dirty="0" err="1" smtClean="0"/>
+              <a:t>centroid</a:t>
+            </a:r>
+            <a:r>
+              <a:rPr lang="nl-NL" dirty="0" smtClean="0"/>
+              <a:t> of </a:t>
+            </a:r>
+            <a:r>
+              <a:rPr lang="nl-NL" dirty="0" err="1" smtClean="0"/>
+              <a:t>the</a:t>
+            </a:r>
+            <a:r>
+              <a:rPr lang="nl-NL" dirty="0" smtClean="0"/>
+              <a:t> </a:t>
+            </a:r>
+            <a:r>
+              <a:rPr lang="nl-NL" dirty="0" err="1" smtClean="0"/>
+              <a:t>prediction</a:t>
+            </a:r>
+            <a:r>
+              <a:rPr lang="nl-NL" dirty="0" smtClean="0"/>
+              <a:t> </a:t>
+            </a:r>
+            <a:r>
+              <a:rPr lang="nl-NL" dirty="0" err="1" smtClean="0"/>
+              <a:t>to</a:t>
+            </a:r>
+            <a:r>
+              <a:rPr lang="nl-NL" dirty="0" smtClean="0"/>
+              <a:t> a </a:t>
+            </a:r>
+            <a:r>
+              <a:rPr lang="nl-NL" dirty="0" err="1" smtClean="0">
+                <a:solidFill>
+                  <a:srgbClr val="FF0000"/>
+                </a:solidFill>
+              </a:rPr>
+              <a:t>csv</a:t>
+            </a:r>
+            <a:r>
+              <a:rPr lang="nl-NL" dirty="0" smtClean="0">
+                <a:solidFill>
+                  <a:srgbClr val="FF0000"/>
+                </a:solidFill>
+              </a:rPr>
+              <a:t> </a:t>
+            </a:r>
+            <a:r>
+              <a:rPr lang="nl-NL" dirty="0" smtClean="0"/>
+              <a:t>file.</a:t>
+            </a:r>
+          </a:p>
+          <a:p>
+            <a:pPr lvl="1"/>
             <a:endParaRPr lang="nl-NL" i="1" dirty="0" smtClean="0"/>
           </a:p>
         </p:txBody>
@@ -5821,33 +6387,56 @@
           </a:p>
         </p:txBody>
       </p:sp>
-      <p:sp>
-        <p:nvSpPr>
-          <p:cNvPr id="5" name="Tijdelijke aanduiding voor inhoud 4"/>
-          <p:cNvSpPr>
-            <a:spLocks noGrp="1"/>
-          </p:cNvSpPr>
+      <p:pic>
+        <p:nvPicPr>
+          <p:cNvPr id="2" name="Picture 1"/>
+          <p:cNvPicPr>
+            <a:picLocks noChangeAspect="1"/>
+          </p:cNvPicPr>
+          <p:nvPr/>
+        </p:nvPicPr>
+        <p:blipFill>
+          <a:blip r:embed="rId2"/>
+          <a:stretch>
+            <a:fillRect/>
+          </a:stretch>
+        </p:blipFill>
+        <p:spPr>
+          <a:xfrm>
+            <a:off x="1956047" y="2112005"/>
+            <a:ext cx="11916234" cy="4611371"/>
+          </a:xfrm>
+          <a:prstGeom prst="rect">
+            <a:avLst/>
+          </a:prstGeom>
+        </p:spPr>
+      </p:pic>
+      <p:pic>
+        <p:nvPicPr>
+          <p:cNvPr id="3" name="Content Placeholder 2"/>
+          <p:cNvPicPr>
+            <a:picLocks noGrp="1" noChangeAspect="1"/>
+          </p:cNvPicPr>
           <p:nvPr>
             <p:ph idx="1"/>
           </p:nvPr>
-        </p:nvSpPr>
+        </p:nvPicPr>
+        <p:blipFill>
+          <a:blip r:embed="rId3"/>
+          <a:stretch>
+            <a:fillRect/>
+          </a:stretch>
+        </p:blipFill>
         <p:spPr>
           <a:xfrm>
-            <a:off x="919891" y="1799999"/>
-            <a:ext cx="14889083" cy="7020000"/>
+            <a:off x="12813824" y="4262592"/>
+            <a:ext cx="4027408" cy="4158299"/>
           </a:xfrm>
+          <a:prstGeom prst="rect">
+            <a:avLst/>
+          </a:prstGeom>
         </p:spPr>
-        <p:txBody>
-          <a:bodyPr/>
-          <a:lstStyle/>
-          <a:p>
-            <a:pPr marL="605148" lvl="1" indent="0">
-              <a:buNone/>
-            </a:pPr>
-            <a:endParaRPr lang="nl-NL" i="1" dirty="0" smtClean="0"/>
-          </a:p>
-        </p:txBody>
-      </p:sp>
+      </p:pic>
     </p:spTree>
     <p:extLst>
       <p:ext uri="{BB962C8B-B14F-4D97-AF65-F5344CB8AC3E}">
@@ -5864,7 +6453,75 @@
   <p:timing>
     <p:tnLst>
       <p:par>
-        <p:cTn id="1" dur="indefinite" restart="never" nodeType="tmRoot"/>
+        <p:cTn id="1" dur="indefinite" restart="never" nodeType="tmRoot">
+          <p:childTnLst>
+            <p:seq concurrent="1" nextAc="seek">
+              <p:cTn id="2" dur="indefinite" nodeType="mainSeq">
+                <p:childTnLst>
+                  <p:par>
+                    <p:cTn id="3" fill="hold">
+                      <p:stCondLst>
+                        <p:cond delay="indefinite"/>
+                      </p:stCondLst>
+                      <p:childTnLst>
+                        <p:par>
+                          <p:cTn id="4" fill="hold">
+                            <p:stCondLst>
+                              <p:cond delay="0"/>
+                            </p:stCondLst>
+                            <p:childTnLst>
+                              <p:par>
+                                <p:cTn id="5" presetID="1" presetClass="entr" presetSubtype="0" fill="hold" nodeType="clickEffect">
+                                  <p:stCondLst>
+                                    <p:cond delay="0"/>
+                                  </p:stCondLst>
+                                  <p:childTnLst>
+                                    <p:set>
+                                      <p:cBhvr>
+                                        <p:cTn id="6" dur="1" fill="hold">
+                                          <p:stCondLst>
+                                            <p:cond delay="0"/>
+                                          </p:stCondLst>
+                                        </p:cTn>
+                                        <p:tgtEl>
+                                          <p:spTgt spid="3"/>
+                                        </p:tgtEl>
+                                        <p:attrNameLst>
+                                          <p:attrName>style.visibility</p:attrName>
+                                        </p:attrNameLst>
+                                      </p:cBhvr>
+                                      <p:to>
+                                        <p:strVal val="visible"/>
+                                      </p:to>
+                                    </p:set>
+                                  </p:childTnLst>
+                                </p:cTn>
+                              </p:par>
+                            </p:childTnLst>
+                          </p:cTn>
+                        </p:par>
+                      </p:childTnLst>
+                    </p:cTn>
+                  </p:par>
+                </p:childTnLst>
+              </p:cTn>
+              <p:prevCondLst>
+                <p:cond evt="onPrev" delay="0">
+                  <p:tgtEl>
+                    <p:sldTgt/>
+                  </p:tgtEl>
+                </p:cond>
+              </p:prevCondLst>
+              <p:nextCondLst>
+                <p:cond evt="onNext" delay="0">
+                  <p:tgtEl>
+                    <p:sldTgt/>
+                  </p:tgtEl>
+                </p:cond>
+              </p:nextCondLst>
+            </p:seq>
+          </p:childTnLst>
+        </p:cTn>
       </p:par>
     </p:tnLst>
   </p:timing>
@@ -5940,10 +6597,241 @@
           <a:bodyPr/>
           <a:lstStyle/>
           <a:p>
+            <a:pPr lvl="1"/>
+            <a:r>
+              <a:rPr lang="nl-NL" dirty="0" smtClean="0"/>
+              <a:t>First </a:t>
+            </a:r>
+            <a:r>
+              <a:rPr lang="nl-NL" dirty="0" err="1" smtClean="0"/>
+              <a:t>hunch</a:t>
+            </a:r>
+            <a:r>
+              <a:rPr lang="nl-NL" dirty="0" smtClean="0"/>
+              <a:t>: </a:t>
+            </a:r>
+            <a:r>
+              <a:rPr lang="nl-NL" dirty="0" err="1" smtClean="0">
+                <a:solidFill>
+                  <a:srgbClr val="FF0000"/>
+                </a:solidFill>
+              </a:rPr>
+              <a:t>Yolo</a:t>
+            </a:r>
+            <a:r>
+              <a:rPr lang="nl-NL" dirty="0" smtClean="0">
+                <a:solidFill>
+                  <a:srgbClr val="FF0000"/>
+                </a:solidFill>
+              </a:rPr>
+              <a:t> </a:t>
+            </a:r>
+            <a:r>
+              <a:rPr lang="nl-NL" dirty="0" err="1" smtClean="0">
+                <a:solidFill>
+                  <a:srgbClr val="FF0000"/>
+                </a:solidFill>
+              </a:rPr>
+              <a:t>it</a:t>
+            </a:r>
+            <a:endParaRPr lang="nl-NL" dirty="0" smtClean="0">
+              <a:solidFill>
+                <a:srgbClr val="FF0000"/>
+              </a:solidFill>
+            </a:endParaRPr>
+          </a:p>
+          <a:p>
+            <a:pPr marL="605148" lvl="1" indent="0" algn="ctr">
+              <a:buNone/>
+            </a:pPr>
+            <a:r>
+              <a:rPr lang="en-US" i="1" dirty="0" smtClean="0"/>
+              <a:t>“Boxes </a:t>
+            </a:r>
+            <a:r>
+              <a:rPr lang="en-US" i="1" dirty="0"/>
+              <a:t>are stupid anyway though, I’m probably a true believer</a:t>
+            </a:r>
+          </a:p>
+          <a:p>
+            <a:pPr marL="605148" lvl="1" indent="0" algn="ctr">
+              <a:buNone/>
+            </a:pPr>
+            <a:r>
+              <a:rPr lang="en-US" i="1" dirty="0"/>
+              <a:t>in masks except I can’t get YOLO to learn them</a:t>
+            </a:r>
+            <a:r>
+              <a:rPr lang="en-US" i="1" dirty="0" smtClean="0"/>
+              <a:t>.”</a:t>
+            </a:r>
+          </a:p>
+          <a:p>
+            <a:pPr marL="605148" lvl="1" indent="0" algn="ctr">
+              <a:buNone/>
+            </a:pPr>
+            <a:r>
+              <a:rPr lang="en-US" i="1" dirty="0" smtClean="0"/>
+              <a:t>- </a:t>
+            </a:r>
+            <a:r>
+              <a:rPr lang="en-US" i="1" dirty="0" smtClean="0">
+                <a:solidFill>
+                  <a:srgbClr val="FF0000"/>
+                </a:solidFill>
+              </a:rPr>
+              <a:t>Joseph </a:t>
+            </a:r>
+            <a:r>
+              <a:rPr lang="en-US" i="1" dirty="0" err="1" smtClean="0">
+                <a:solidFill>
+                  <a:srgbClr val="FF0000"/>
+                </a:solidFill>
+              </a:rPr>
+              <a:t>Redmon</a:t>
+            </a:r>
+            <a:r>
+              <a:rPr lang="en-US" i="1" dirty="0" smtClean="0">
+                <a:solidFill>
+                  <a:srgbClr val="FF0000"/>
+                </a:solidFill>
+              </a:rPr>
+              <a:t> </a:t>
+            </a:r>
+            <a:r>
+              <a:rPr lang="en-US" i="1" dirty="0" smtClean="0"/>
+              <a:t>(on comments received with </a:t>
+            </a:r>
+            <a:r>
+              <a:rPr lang="en-US" i="1" dirty="0" smtClean="0">
+                <a:solidFill>
+                  <a:srgbClr val="FF0000"/>
+                </a:solidFill>
+              </a:rPr>
+              <a:t>yolov3</a:t>
+            </a:r>
+            <a:r>
+              <a:rPr lang="en-US" i="1" dirty="0" smtClean="0"/>
+              <a:t>)</a:t>
+            </a:r>
+            <a:endParaRPr lang="nl-NL" i="1" dirty="0"/>
+          </a:p>
+          <a:p>
+            <a:pPr lvl="1"/>
+            <a:r>
+              <a:rPr lang="nl-NL" dirty="0" smtClean="0">
+                <a:solidFill>
+                  <a:srgbClr val="FF0000"/>
+                </a:solidFill>
+              </a:rPr>
+              <a:t>U-net </a:t>
+            </a:r>
+            <a:r>
+              <a:rPr lang="nl-NL" dirty="0" err="1" smtClean="0"/>
+              <a:t>performed</a:t>
+            </a:r>
+            <a:r>
+              <a:rPr lang="nl-NL" dirty="0" smtClean="0"/>
+              <a:t> well in </a:t>
+            </a:r>
+            <a:r>
+              <a:rPr lang="nl-NL" dirty="0" err="1" smtClean="0"/>
+              <a:t>literature</a:t>
+            </a:r>
+            <a:endParaRPr lang="nl-NL" dirty="0" smtClean="0"/>
+          </a:p>
+          <a:p>
+            <a:pPr lvl="1"/>
+            <a:r>
+              <a:rPr lang="nl-NL" dirty="0" err="1" smtClean="0"/>
+              <a:t>Manually</a:t>
+            </a:r>
+            <a:r>
+              <a:rPr lang="nl-NL" dirty="0" smtClean="0"/>
+              <a:t> </a:t>
+            </a:r>
+            <a:r>
+              <a:rPr lang="nl-NL" dirty="0" err="1" smtClean="0"/>
+              <a:t>annotate</a:t>
+            </a:r>
+            <a:r>
+              <a:rPr lang="nl-NL" dirty="0" smtClean="0"/>
+              <a:t> images </a:t>
+            </a:r>
+            <a:r>
+              <a:rPr lang="nl-NL" dirty="0" err="1" smtClean="0"/>
+              <a:t>for</a:t>
+            </a:r>
+            <a:r>
+              <a:rPr lang="nl-NL" dirty="0" smtClean="0"/>
+              <a:t> a </a:t>
+            </a:r>
+            <a:r>
+              <a:rPr lang="nl-NL" dirty="0" err="1" smtClean="0"/>
+              <a:t>mask</a:t>
+            </a:r>
+            <a:endParaRPr lang="nl-NL" dirty="0" smtClean="0"/>
+          </a:p>
+          <a:p>
             <a:pPr marL="605148" lvl="1" indent="0">
               <a:buNone/>
             </a:pPr>
-            <a:endParaRPr lang="nl-NL" i="1" dirty="0" smtClean="0"/>
+            <a:r>
+              <a:rPr lang="nl-NL" dirty="0" smtClean="0"/>
+              <a:t>				</a:t>
+            </a:r>
+            <a:r>
+              <a:rPr lang="nl-NL" dirty="0" smtClean="0">
+                <a:solidFill>
+                  <a:srgbClr val="FF0000"/>
+                </a:solidFill>
+              </a:rPr>
+              <a:t>Or </a:t>
+            </a:r>
+          </a:p>
+          <a:p>
+            <a:pPr lvl="1"/>
+            <a:r>
+              <a:rPr lang="nl-NL" dirty="0" err="1" smtClean="0"/>
+              <a:t>Generate</a:t>
+            </a:r>
+            <a:r>
+              <a:rPr lang="nl-NL" dirty="0" smtClean="0"/>
+              <a:t> </a:t>
+            </a:r>
+            <a:r>
+              <a:rPr lang="nl-NL" dirty="0" err="1" smtClean="0"/>
+              <a:t>masks</a:t>
+            </a:r>
+            <a:r>
+              <a:rPr lang="nl-NL" dirty="0" smtClean="0"/>
+              <a:t> (</a:t>
+            </a:r>
+            <a:r>
+              <a:rPr lang="nl-NL" dirty="0" err="1" smtClean="0"/>
+              <a:t>saves</a:t>
+            </a:r>
+            <a:r>
+              <a:rPr lang="nl-NL" dirty="0" smtClean="0"/>
+              <a:t> </a:t>
+            </a:r>
+            <a:r>
+              <a:rPr lang="nl-NL" dirty="0" err="1" smtClean="0"/>
+              <a:t>us</a:t>
+            </a:r>
+            <a:r>
+              <a:rPr lang="nl-NL" dirty="0" smtClean="0"/>
+              <a:t> </a:t>
+            </a:r>
+            <a:r>
+              <a:rPr lang="nl-NL" dirty="0" err="1" smtClean="0"/>
+              <a:t>work</a:t>
+            </a:r>
+            <a:r>
+              <a:rPr lang="nl-NL" dirty="0" smtClean="0"/>
+              <a:t>, right?)</a:t>
+            </a:r>
+            <a:endParaRPr lang="nl-NL" dirty="0" smtClean="0"/>
           </a:p>
         </p:txBody>
       </p:sp>
@@ -5963,7 +6851,301 @@
   <p:timing>
     <p:tnLst>
       <p:par>
-        <p:cTn id="1" dur="indefinite" restart="never" nodeType="tmRoot"/>
+        <p:cTn id="1" dur="indefinite" restart="never" nodeType="tmRoot">
+          <p:childTnLst>
+            <p:seq concurrent="1" nextAc="seek">
+              <p:cTn id="2" dur="indefinite" nodeType="mainSeq">
+                <p:childTnLst>
+                  <p:par>
+                    <p:cTn id="3" fill="hold">
+                      <p:stCondLst>
+                        <p:cond delay="indefinite"/>
+                      </p:stCondLst>
+                      <p:childTnLst>
+                        <p:par>
+                          <p:cTn id="4" fill="hold">
+                            <p:stCondLst>
+                              <p:cond delay="0"/>
+                            </p:stCondLst>
+                            <p:childTnLst>
+                              <p:par>
+                                <p:cTn id="5" presetID="1" presetClass="entr" presetSubtype="0" fill="hold" nodeType="clickEffect">
+                                  <p:stCondLst>
+                                    <p:cond delay="0"/>
+                                  </p:stCondLst>
+                                  <p:childTnLst>
+                                    <p:set>
+                                      <p:cBhvr>
+                                        <p:cTn id="6" dur="1" fill="hold">
+                                          <p:stCondLst>
+                                            <p:cond delay="0"/>
+                                          </p:stCondLst>
+                                        </p:cTn>
+                                        <p:tgtEl>
+                                          <p:spTgt spid="5">
+                                            <p:txEl>
+                                              <p:pRg st="1" end="1"/>
+                                            </p:txEl>
+                                          </p:spTgt>
+                                        </p:tgtEl>
+                                        <p:attrNameLst>
+                                          <p:attrName>style.visibility</p:attrName>
+                                        </p:attrNameLst>
+                                      </p:cBhvr>
+                                      <p:to>
+                                        <p:strVal val="visible"/>
+                                      </p:to>
+                                    </p:set>
+                                  </p:childTnLst>
+                                </p:cTn>
+                              </p:par>
+                              <p:par>
+                                <p:cTn id="7" presetID="1" presetClass="entr" presetSubtype="0" fill="hold" nodeType="withEffect">
+                                  <p:stCondLst>
+                                    <p:cond delay="0"/>
+                                  </p:stCondLst>
+                                  <p:childTnLst>
+                                    <p:set>
+                                      <p:cBhvr>
+                                        <p:cTn id="8" dur="1" fill="hold">
+                                          <p:stCondLst>
+                                            <p:cond delay="0"/>
+                                          </p:stCondLst>
+                                        </p:cTn>
+                                        <p:tgtEl>
+                                          <p:spTgt spid="5">
+                                            <p:txEl>
+                                              <p:pRg st="2" end="2"/>
+                                            </p:txEl>
+                                          </p:spTgt>
+                                        </p:tgtEl>
+                                        <p:attrNameLst>
+                                          <p:attrName>style.visibility</p:attrName>
+                                        </p:attrNameLst>
+                                      </p:cBhvr>
+                                      <p:to>
+                                        <p:strVal val="visible"/>
+                                      </p:to>
+                                    </p:set>
+                                  </p:childTnLst>
+                                </p:cTn>
+                              </p:par>
+                              <p:par>
+                                <p:cTn id="9" presetID="1" presetClass="entr" presetSubtype="0" fill="hold" nodeType="withEffect">
+                                  <p:stCondLst>
+                                    <p:cond delay="0"/>
+                                  </p:stCondLst>
+                                  <p:childTnLst>
+                                    <p:set>
+                                      <p:cBhvr>
+                                        <p:cTn id="10" dur="1" fill="hold">
+                                          <p:stCondLst>
+                                            <p:cond delay="0"/>
+                                          </p:stCondLst>
+                                        </p:cTn>
+                                        <p:tgtEl>
+                                          <p:spTgt spid="5">
+                                            <p:txEl>
+                                              <p:pRg st="3" end="3"/>
+                                            </p:txEl>
+                                          </p:spTgt>
+                                        </p:tgtEl>
+                                        <p:attrNameLst>
+                                          <p:attrName>style.visibility</p:attrName>
+                                        </p:attrNameLst>
+                                      </p:cBhvr>
+                                      <p:to>
+                                        <p:strVal val="visible"/>
+                                      </p:to>
+                                    </p:set>
+                                  </p:childTnLst>
+                                </p:cTn>
+                              </p:par>
+                            </p:childTnLst>
+                          </p:cTn>
+                        </p:par>
+                      </p:childTnLst>
+                    </p:cTn>
+                  </p:par>
+                  <p:par>
+                    <p:cTn id="11" fill="hold">
+                      <p:stCondLst>
+                        <p:cond delay="indefinite"/>
+                      </p:stCondLst>
+                      <p:childTnLst>
+                        <p:par>
+                          <p:cTn id="12" fill="hold">
+                            <p:stCondLst>
+                              <p:cond delay="0"/>
+                            </p:stCondLst>
+                            <p:childTnLst>
+                              <p:par>
+                                <p:cTn id="13" presetID="1" presetClass="entr" presetSubtype="0" fill="hold" nodeType="clickEffect">
+                                  <p:stCondLst>
+                                    <p:cond delay="0"/>
+                                  </p:stCondLst>
+                                  <p:childTnLst>
+                                    <p:set>
+                                      <p:cBhvr>
+                                        <p:cTn id="14" dur="1" fill="hold">
+                                          <p:stCondLst>
+                                            <p:cond delay="0"/>
+                                          </p:stCondLst>
+                                        </p:cTn>
+                                        <p:tgtEl>
+                                          <p:spTgt spid="5">
+                                            <p:txEl>
+                                              <p:pRg st="4" end="4"/>
+                                            </p:txEl>
+                                          </p:spTgt>
+                                        </p:tgtEl>
+                                        <p:attrNameLst>
+                                          <p:attrName>style.visibility</p:attrName>
+                                        </p:attrNameLst>
+                                      </p:cBhvr>
+                                      <p:to>
+                                        <p:strVal val="visible"/>
+                                      </p:to>
+                                    </p:set>
+                                  </p:childTnLst>
+                                </p:cTn>
+                              </p:par>
+                            </p:childTnLst>
+                          </p:cTn>
+                        </p:par>
+                      </p:childTnLst>
+                    </p:cTn>
+                  </p:par>
+                  <p:par>
+                    <p:cTn id="15" fill="hold">
+                      <p:stCondLst>
+                        <p:cond delay="indefinite"/>
+                      </p:stCondLst>
+                      <p:childTnLst>
+                        <p:par>
+                          <p:cTn id="16" fill="hold">
+                            <p:stCondLst>
+                              <p:cond delay="0"/>
+                            </p:stCondLst>
+                            <p:childTnLst>
+                              <p:par>
+                                <p:cTn id="17" presetID="1" presetClass="entr" presetSubtype="0" fill="hold" nodeType="clickEffect">
+                                  <p:stCondLst>
+                                    <p:cond delay="0"/>
+                                  </p:stCondLst>
+                                  <p:childTnLst>
+                                    <p:set>
+                                      <p:cBhvr>
+                                        <p:cTn id="18" dur="1" fill="hold">
+                                          <p:stCondLst>
+                                            <p:cond delay="0"/>
+                                          </p:stCondLst>
+                                        </p:cTn>
+                                        <p:tgtEl>
+                                          <p:spTgt spid="5">
+                                            <p:txEl>
+                                              <p:pRg st="5" end="5"/>
+                                            </p:txEl>
+                                          </p:spTgt>
+                                        </p:tgtEl>
+                                        <p:attrNameLst>
+                                          <p:attrName>style.visibility</p:attrName>
+                                        </p:attrNameLst>
+                                      </p:cBhvr>
+                                      <p:to>
+                                        <p:strVal val="visible"/>
+                                      </p:to>
+                                    </p:set>
+                                  </p:childTnLst>
+                                </p:cTn>
+                              </p:par>
+                              <p:par>
+                                <p:cTn id="19" presetID="1" presetClass="entr" presetSubtype="0" fill="hold" nodeType="withEffect">
+                                  <p:stCondLst>
+                                    <p:cond delay="0"/>
+                                  </p:stCondLst>
+                                  <p:childTnLst>
+                                    <p:set>
+                                      <p:cBhvr>
+                                        <p:cTn id="20" dur="1" fill="hold">
+                                          <p:stCondLst>
+                                            <p:cond delay="0"/>
+                                          </p:stCondLst>
+                                        </p:cTn>
+                                        <p:tgtEl>
+                                          <p:spTgt spid="5">
+                                            <p:txEl>
+                                              <p:pRg st="6" end="6"/>
+                                            </p:txEl>
+                                          </p:spTgt>
+                                        </p:tgtEl>
+                                        <p:attrNameLst>
+                                          <p:attrName>style.visibility</p:attrName>
+                                        </p:attrNameLst>
+                                      </p:cBhvr>
+                                      <p:to>
+                                        <p:strVal val="visible"/>
+                                      </p:to>
+                                    </p:set>
+                                  </p:childTnLst>
+                                </p:cTn>
+                              </p:par>
+                              <p:par>
+                                <p:cTn id="21" presetID="1" presetClass="entr" presetSubtype="0" fill="hold" nodeType="withEffect">
+                                  <p:stCondLst>
+                                    <p:cond delay="0"/>
+                                  </p:stCondLst>
+                                  <p:childTnLst>
+                                    <p:set>
+                                      <p:cBhvr>
+                                        <p:cTn id="22" dur="1" fill="hold">
+                                          <p:stCondLst>
+                                            <p:cond delay="0"/>
+                                          </p:stCondLst>
+                                        </p:cTn>
+                                        <p:tgtEl>
+                                          <p:spTgt spid="5">
+                                            <p:txEl>
+                                              <p:pRg st="7" end="7"/>
+                                            </p:txEl>
+                                          </p:spTgt>
+                                        </p:tgtEl>
+                                        <p:attrNameLst>
+                                          <p:attrName>style.visibility</p:attrName>
+                                        </p:attrNameLst>
+                                      </p:cBhvr>
+                                      <p:to>
+                                        <p:strVal val="visible"/>
+                                      </p:to>
+                                    </p:set>
+                                  </p:childTnLst>
+                                </p:cTn>
+                              </p:par>
+                            </p:childTnLst>
+                          </p:cTn>
+                        </p:par>
+                      </p:childTnLst>
+                    </p:cTn>
+                  </p:par>
+                </p:childTnLst>
+              </p:cTn>
+              <p:prevCondLst>
+                <p:cond evt="onPrev" delay="0">
+                  <p:tgtEl>
+                    <p:sldTgt/>
+                  </p:tgtEl>
+                </p:cond>
+              </p:prevCondLst>
+              <p:nextCondLst>
+                <p:cond evt="onNext" delay="0">
+                  <p:tgtEl>
+                    <p:sldTgt/>
+                  </p:tgtEl>
+                </p:cond>
+              </p:nextCondLst>
+            </p:seq>
+          </p:childTnLst>
+        </p:cTn>
       </p:par>
     </p:tnLst>
   </p:timing>
@@ -6047,6 +7229,218 @@
               <a:buNone/>
             </a:pPr>
             <a:endParaRPr lang="nl-NL" i="1" dirty="0" smtClean="0"/>
+          </a:p>
+        </p:txBody>
+      </p:sp>
+      <p:pic>
+        <p:nvPicPr>
+          <p:cNvPr id="2" name="Picture 1"/>
+          <p:cNvPicPr>
+            <a:picLocks noChangeAspect="1"/>
+          </p:cNvPicPr>
+          <p:nvPr/>
+        </p:nvPicPr>
+        <p:blipFill>
+          <a:blip r:embed="rId2"/>
+          <a:stretch>
+            <a:fillRect/>
+          </a:stretch>
+        </p:blipFill>
+        <p:spPr>
+          <a:xfrm>
+            <a:off x="1059089" y="3762186"/>
+            <a:ext cx="7943850" cy="3095625"/>
+          </a:xfrm>
+          <a:prstGeom prst="rect">
+            <a:avLst/>
+          </a:prstGeom>
+        </p:spPr>
+      </p:pic>
+      <p:sp>
+        <p:nvSpPr>
+          <p:cNvPr id="3" name="Right Arrow 2"/>
+          <p:cNvSpPr/>
+          <p:nvPr/>
+        </p:nvSpPr>
+        <p:spPr>
+          <a:xfrm>
+            <a:off x="4643410" y="5067796"/>
+            <a:ext cx="978408" cy="484632"/>
+          </a:xfrm>
+          <a:prstGeom prst="rightArrow">
+            <a:avLst/>
+          </a:prstGeom>
+        </p:spPr>
+        <p:style>
+          <a:lnRef idx="1">
+            <a:schemeClr val="accent2"/>
+          </a:lnRef>
+          <a:fillRef idx="3">
+            <a:schemeClr val="accent2"/>
+          </a:fillRef>
+          <a:effectRef idx="2">
+            <a:schemeClr val="accent2"/>
+          </a:effectRef>
+          <a:fontRef idx="minor">
+            <a:schemeClr val="lt1"/>
+          </a:fontRef>
+        </p:style>
+        <p:txBody>
+          <a:bodyPr rtlCol="0" anchor="ctr"/>
+          <a:lstStyle/>
+          <a:p>
+            <a:pPr algn="ctr"/>
+            <a:endParaRPr lang="nl-NL"/>
+          </a:p>
+        </p:txBody>
+      </p:sp>
+      <p:pic>
+        <p:nvPicPr>
+          <p:cNvPr id="6" name="Picture 5"/>
+          <p:cNvPicPr>
+            <a:picLocks noChangeAspect="1"/>
+          </p:cNvPicPr>
+          <p:nvPr/>
+        </p:nvPicPr>
+        <p:blipFill>
+          <a:blip r:embed="rId3"/>
+          <a:stretch>
+            <a:fillRect/>
+          </a:stretch>
+        </p:blipFill>
+        <p:spPr>
+          <a:xfrm>
+            <a:off x="9579429" y="1023710"/>
+            <a:ext cx="3733800" cy="3209925"/>
+          </a:xfrm>
+          <a:prstGeom prst="rect">
+            <a:avLst/>
+          </a:prstGeom>
+        </p:spPr>
+      </p:pic>
+      <p:pic>
+        <p:nvPicPr>
+          <p:cNvPr id="7" name="Picture 6"/>
+          <p:cNvPicPr>
+            <a:picLocks noChangeAspect="1"/>
+          </p:cNvPicPr>
+          <p:nvPr/>
+        </p:nvPicPr>
+        <p:blipFill>
+          <a:blip r:embed="rId4"/>
+          <a:stretch>
+            <a:fillRect/>
+          </a:stretch>
+        </p:blipFill>
+        <p:spPr>
+          <a:xfrm>
+            <a:off x="9832937" y="4719150"/>
+            <a:ext cx="3537442" cy="3350793"/>
+          </a:xfrm>
+          <a:prstGeom prst="rect">
+            <a:avLst/>
+          </a:prstGeom>
+        </p:spPr>
+      </p:pic>
+      <p:sp>
+        <p:nvSpPr>
+          <p:cNvPr id="8" name="TextBox 7"/>
+          <p:cNvSpPr txBox="1"/>
+          <p:nvPr/>
+        </p:nvSpPr>
+        <p:spPr>
+          <a:xfrm>
+            <a:off x="10961008" y="4195930"/>
+            <a:ext cx="2029278" cy="523220"/>
+          </a:xfrm>
+          <a:prstGeom prst="rect">
+            <a:avLst/>
+          </a:prstGeom>
+          <a:noFill/>
+        </p:spPr>
+        <p:txBody>
+          <a:bodyPr wrap="square" rtlCol="0">
+            <a:spAutoFit/>
+          </a:bodyPr>
+          <a:lstStyle/>
+          <a:p>
+            <a:r>
+              <a:rPr lang="nl-NL" sz="2800" dirty="0" smtClean="0">
+                <a:latin typeface="+mn-lt"/>
+              </a:rPr>
+              <a:t>Square</a:t>
+            </a:r>
+            <a:endParaRPr lang="nl-NL" sz="2800" dirty="0" smtClean="0">
+              <a:latin typeface="+mn-lt"/>
+            </a:endParaRPr>
+          </a:p>
+        </p:txBody>
+      </p:sp>
+      <p:sp>
+        <p:nvSpPr>
+          <p:cNvPr id="9" name="TextBox 8"/>
+          <p:cNvSpPr txBox="1"/>
+          <p:nvPr/>
+        </p:nvSpPr>
+        <p:spPr>
+          <a:xfrm>
+            <a:off x="11064555" y="8046752"/>
+            <a:ext cx="1074205" cy="523220"/>
+          </a:xfrm>
+          <a:prstGeom prst="rect">
+            <a:avLst/>
+          </a:prstGeom>
+          <a:noFill/>
+        </p:spPr>
+        <p:txBody>
+          <a:bodyPr wrap="none" rtlCol="0">
+            <a:spAutoFit/>
+          </a:bodyPr>
+          <a:lstStyle/>
+          <a:p>
+            <a:r>
+              <a:rPr lang="nl-NL" sz="2800" dirty="0" err="1" smtClean="0">
+                <a:latin typeface="+mn-lt"/>
+              </a:rPr>
+              <a:t>Elipsis</a:t>
+            </a:r>
+            <a:endParaRPr lang="nl-NL" sz="2800" dirty="0" smtClean="0">
+              <a:latin typeface="+mn-lt"/>
+            </a:endParaRPr>
+          </a:p>
+        </p:txBody>
+      </p:sp>
+      <p:sp>
+        <p:nvSpPr>
+          <p:cNvPr id="10" name="TextBox 9"/>
+          <p:cNvSpPr txBox="1"/>
+          <p:nvPr/>
+        </p:nvSpPr>
+        <p:spPr>
+          <a:xfrm>
+            <a:off x="7010400" y="6901354"/>
+            <a:ext cx="988925" cy="523220"/>
+          </a:xfrm>
+          <a:prstGeom prst="rect">
+            <a:avLst/>
+          </a:prstGeom>
+          <a:noFill/>
+        </p:spPr>
+        <p:txBody>
+          <a:bodyPr wrap="none" rtlCol="0">
+            <a:spAutoFit/>
+          </a:bodyPr>
+          <a:lstStyle/>
+          <a:p>
+            <a:r>
+              <a:rPr lang="nl-NL" sz="2800" dirty="0" err="1" smtClean="0">
+                <a:latin typeface="+mn-lt"/>
+              </a:rPr>
+              <a:t>Circle</a:t>
+            </a:r>
+            <a:endParaRPr lang="nl-NL" sz="2800" dirty="0" smtClean="0">
+              <a:latin typeface="+mn-lt"/>
+            </a:endParaRPr>
           </a:p>
         </p:txBody>
       </p:sp>
@@ -6142,13 +7536,134 @@
           <a:bodyPr/>
           <a:lstStyle/>
           <a:p>
-            <a:pPr marL="605148" lvl="1" indent="0">
-              <a:buNone/>
-            </a:pPr>
-            <a:endParaRPr lang="nl-NL" i="1" dirty="0" smtClean="0"/>
+            <a:pPr lvl="1"/>
+            <a:r>
+              <a:rPr lang="nl-NL" dirty="0" smtClean="0"/>
+              <a:t>The basic stuff (</a:t>
+            </a:r>
+            <a:r>
+              <a:rPr lang="nl-NL" dirty="0" smtClean="0">
+                <a:solidFill>
+                  <a:srgbClr val="FF0000"/>
+                </a:solidFill>
+              </a:rPr>
+              <a:t>flipping</a:t>
+            </a:r>
+            <a:r>
+              <a:rPr lang="nl-NL" dirty="0" smtClean="0"/>
+              <a:t> et cetera)</a:t>
+            </a:r>
+          </a:p>
+          <a:p>
+            <a:pPr lvl="1"/>
+            <a:r>
+              <a:rPr lang="nl-NL" dirty="0" err="1" smtClean="0"/>
+              <a:t>Looking</a:t>
+            </a:r>
+            <a:r>
+              <a:rPr lang="nl-NL" dirty="0" smtClean="0"/>
+              <a:t> at </a:t>
+            </a:r>
+            <a:r>
+              <a:rPr lang="nl-NL" dirty="0" err="1" smtClean="0"/>
+              <a:t>warping</a:t>
+            </a:r>
+            <a:r>
+              <a:rPr lang="nl-NL" dirty="0" smtClean="0"/>
+              <a:t> </a:t>
+            </a:r>
+            <a:r>
+              <a:rPr lang="nl-NL" dirty="0" err="1" smtClean="0"/>
+              <a:t>with</a:t>
+            </a:r>
+            <a:r>
+              <a:rPr lang="nl-NL" dirty="0" smtClean="0"/>
+              <a:t> </a:t>
+            </a:r>
+            <a:r>
+              <a:rPr lang="nl-NL" dirty="0" err="1" smtClean="0"/>
+              <a:t>OpenCV</a:t>
+            </a:r>
+            <a:endParaRPr lang="nl-NL" dirty="0" smtClean="0"/>
+          </a:p>
+          <a:p>
+            <a:pPr lvl="1"/>
+            <a:endParaRPr lang="nl-NL" dirty="0"/>
+          </a:p>
+          <a:p>
+            <a:pPr lvl="1"/>
+            <a:endParaRPr lang="nl-NL" dirty="0" smtClean="0"/>
+          </a:p>
+          <a:p>
+            <a:pPr lvl="1"/>
+            <a:r>
+              <a:rPr lang="nl-NL" dirty="0" err="1" smtClean="0">
+                <a:solidFill>
+                  <a:srgbClr val="FF0000"/>
+                </a:solidFill>
+              </a:rPr>
+              <a:t>Shifting</a:t>
+            </a:r>
+            <a:r>
+              <a:rPr lang="nl-NL" dirty="0" smtClean="0"/>
+              <a:t> </a:t>
+            </a:r>
+            <a:r>
+              <a:rPr lang="nl-NL" dirty="0" err="1" smtClean="0"/>
+              <a:t>wasn</a:t>
+            </a:r>
+            <a:r>
+              <a:rPr lang="nl-NL" dirty="0" err="1" smtClean="0"/>
+              <a:t>’t</a:t>
+            </a:r>
+            <a:r>
+              <a:rPr lang="nl-NL" dirty="0" smtClean="0"/>
+              <a:t> a </a:t>
+            </a:r>
+            <a:r>
+              <a:rPr lang="nl-NL" dirty="0" err="1" smtClean="0"/>
+              <a:t>great</a:t>
+            </a:r>
+            <a:r>
+              <a:rPr lang="nl-NL" dirty="0" smtClean="0"/>
+              <a:t> </a:t>
+            </a:r>
+            <a:r>
+              <a:rPr lang="nl-NL" dirty="0" err="1" smtClean="0"/>
+              <a:t>idea</a:t>
+            </a:r>
+            <a:r>
+              <a:rPr lang="nl-NL" dirty="0" smtClean="0"/>
+              <a:t> -&gt; </a:t>
+            </a:r>
+            <a:endParaRPr lang="nl-NL" dirty="0" smtClean="0"/>
           </a:p>
         </p:txBody>
       </p:sp>
+      <p:pic>
+        <p:nvPicPr>
+          <p:cNvPr id="2" name="Picture 1"/>
+          <p:cNvPicPr>
+            <a:picLocks noChangeAspect="1"/>
+          </p:cNvPicPr>
+          <p:nvPr/>
+        </p:nvPicPr>
+        <p:blipFill>
+          <a:blip r:embed="rId2"/>
+          <a:stretch>
+            <a:fillRect/>
+          </a:stretch>
+        </p:blipFill>
+        <p:spPr>
+          <a:xfrm>
+            <a:off x="6410779" y="3211965"/>
+            <a:ext cx="6253591" cy="4611234"/>
+          </a:xfrm>
+          <a:prstGeom prst="rect">
+            <a:avLst/>
+          </a:prstGeom>
+        </p:spPr>
+      </p:pic>
     </p:spTree>
     <p:extLst>
       <p:ext uri="{BB962C8B-B14F-4D97-AF65-F5344CB8AC3E}">
@@ -6244,6 +7759,47 @@
           </a:p>
         </p:txBody>
       </p:sp>
+      <p:pic>
+        <p:nvPicPr>
+          <p:cNvPr id="4098" name="Picture 2" descr="https://lmb.informatik.uni-freiburg.de/people/ronneber/u-net/u-net-architecture.png"/>
+          <p:cNvPicPr>
+            <a:picLocks noChangeAspect="1" noChangeArrowheads="1"/>
+          </p:cNvPicPr>
+          <p:nvPr/>
+        </p:nvPicPr>
+        <p:blipFill>
+          <a:blip r:embed="rId2">
+            <a:extLst>
+              <a:ext uri="{28A0092B-C50C-407E-A947-70E740481C1C}">
+                <a14:useLocalDpi xmlns:a14="http://schemas.microsoft.com/office/drawing/2010/main" val="0"/>
+              </a:ext>
+            </a:extLst>
+          </a:blip>
+          <a:srcRect/>
+          <a:stretch>
+            <a:fillRect/>
+          </a:stretch>
+        </p:blipFill>
+        <p:spPr bwMode="auto">
+          <a:xfrm>
+            <a:off x="3427002" y="422769"/>
+            <a:ext cx="11842027" cy="7889608"/>
+          </a:xfrm>
+          <a:prstGeom prst="rect">
+            <a:avLst/>
+          </a:prstGeom>
+          <a:noFill/>
+          <a:extLst>
+            <a:ext uri="{909E8E84-426E-40DD-AFC4-6F175D3DCCD1}">
+              <a14:hiddenFill xmlns:a14="http://schemas.microsoft.com/office/drawing/2010/main">
+                <a:solidFill>
+                  <a:srgbClr val="FFFFFF"/>
+                </a:solidFill>
+              </a14:hiddenFill>
+            </a:ext>
+          </a:extLst>
+        </p:spPr>
+      </p:pic>
     </p:spTree>
     <p:extLst>
       <p:ext uri="{BB962C8B-B14F-4D97-AF65-F5344CB8AC3E}">

--- a/Project/Presentation/Mid_term_presentation.pptx
+++ b/Project/Presentation/Mid_term_presentation.pptx
@@ -290,7 +290,7 @@
             <a:fld id="{17A39E9D-B438-D94D-AF2A-93757548558C}" type="datetime1">
               <a:rPr lang="nl-NL" altLang="nl-NL"/>
               <a:pPr/>
-              <a:t>2-6-2018</a:t>
+              <a:t>3-6-2018</a:t>
             </a:fld>
             <a:endParaRPr lang="nl-NL" altLang="nl-NL"/>
           </a:p>
@@ -502,7 +502,7 @@
             <a:fld id="{3AA95554-0BC3-EC48-BCE0-DB850053191D}" type="datetime1">
               <a:rPr lang="nl-NL" altLang="nl-NL"/>
               <a:pPr/>
-              <a:t>2-6-2018</a:t>
+              <a:t>3-6-2018</a:t>
             </a:fld>
             <a:endParaRPr lang="nl-NL" altLang="nl-NL"/>
           </a:p>
@@ -1025,7 +1025,7 @@
           <a:p>
             <a:fld id="{9E1ED08B-741D-9E48-95DA-82644AB503BC}" type="datetime1">
               <a:rPr lang="nl-NL" altLang="nl-NL" smtClean="0"/>
-              <a:t>2-6-2018</a:t>
+              <a:t>3-6-2018</a:t>
             </a:fld>
             <a:endParaRPr lang="nl-NL" altLang="nl-NL"/>
           </a:p>
@@ -1396,7 +1396,7 @@
             <a:fld id="{9E1ED08B-741D-9E48-95DA-82644AB503BC}" type="datetime1">
               <a:rPr lang="nl-NL" altLang="nl-NL" smtClean="0"/>
               <a:pPr/>
-              <a:t>2-6-2018</a:t>
+              <a:t>3-6-2018</a:t>
             </a:fld>
             <a:endParaRPr lang="nl-NL" altLang="nl-NL" dirty="0"/>
           </a:p>
@@ -1662,7 +1662,7 @@
           <a:p>
             <a:fld id="{46CB0545-8C00-A544-A88F-C33FBC7A7630}" type="datetime1">
               <a:rPr lang="nl-NL" altLang="nl-NL" smtClean="0"/>
-              <a:t>2-6-2018</a:t>
+              <a:t>3-6-2018</a:t>
             </a:fld>
             <a:endParaRPr lang="nl-NL" altLang="nl-NL" dirty="0"/>
           </a:p>
@@ -2056,7 +2056,7 @@
           <a:p>
             <a:fld id="{46CB0545-8C00-A544-A88F-C33FBC7A7630}" type="datetime1">
               <a:rPr lang="nl-NL" altLang="nl-NL" smtClean="0"/>
-              <a:t>2-6-2018</a:t>
+              <a:t>3-6-2018</a:t>
             </a:fld>
             <a:endParaRPr lang="nl-NL" altLang="nl-NL" dirty="0"/>
           </a:p>
@@ -2312,7 +2312,7 @@
               </a14:hiddenLine>
             </a:ext>
             <a:ext uri="{FAA26D3D-D897-4be2-8F04-BA451C77F1D7}">
-              <ma14:placeholderFlag xmlns:ma14="http://schemas.microsoft.com/office/mac/drawingml/2011/main" xmlns="" val="1"/>
+              <ma14:placeholderFlag xmlns="" xmlns:ma14="http://schemas.microsoft.com/office/mac/drawingml/2011/main" val="1"/>
             </a:ext>
           </a:extLst>
         </p:spPr>
@@ -2373,7 +2373,7 @@
               </a14:hiddenLine>
             </a:ext>
             <a:ext uri="{FAA26D3D-D897-4be2-8F04-BA451C77F1D7}">
-              <ma14:placeholderFlag xmlns:ma14="http://schemas.microsoft.com/office/mac/drawingml/2011/main" xmlns="" val="1"/>
+              <ma14:placeholderFlag xmlns="" xmlns:ma14="http://schemas.microsoft.com/office/mac/drawingml/2011/main" val="1"/>
             </a:ext>
           </a:extLst>
         </p:spPr>
@@ -2553,7 +2553,7 @@
             <a:fld id="{B3873A8C-A209-FC40-86BC-D3E9A671FD81}" type="datetime1">
               <a:rPr lang="nl-NL" altLang="nl-NL" smtClean="0"/>
               <a:pPr/>
-              <a:t>2-6-2018</a:t>
+              <a:t>3-6-2018</a:t>
             </a:fld>
             <a:endParaRPr lang="nl-NL" altLang="nl-NL" dirty="0"/>
           </a:p>
@@ -3051,7 +3051,7 @@
               </a14:hiddenLine>
             </a:ext>
             <a:ext uri="{FAA26D3D-D897-4be2-8F04-BA451C77F1D7}">
-              <ma14:placeholderFlag xmlns:ma14="http://schemas.microsoft.com/office/mac/drawingml/2011/main" xmlns="" val="1"/>
+              <ma14:placeholderFlag xmlns="" xmlns:ma14="http://schemas.microsoft.com/office/mac/drawingml/2011/main" val="1"/>
             </a:ext>
           </a:extLst>
         </p:spPr>
@@ -3112,7 +3112,7 @@
               </a14:hiddenLine>
             </a:ext>
             <a:ext uri="{FAA26D3D-D897-4be2-8F04-BA451C77F1D7}">
-              <ma14:placeholderFlag xmlns:ma14="http://schemas.microsoft.com/office/mac/drawingml/2011/main" xmlns="" val="1"/>
+              <ma14:placeholderFlag xmlns="" xmlns:ma14="http://schemas.microsoft.com/office/mac/drawingml/2011/main" val="1"/>
             </a:ext>
           </a:extLst>
         </p:spPr>
@@ -3293,7 +3293,7 @@
             <a:fld id="{FB5CF2AB-20FF-5442-9E53-3C6EDD7FBCEA}" type="datetime1">
               <a:rPr lang="nl-NL" altLang="nl-NL" smtClean="0"/>
               <a:pPr/>
-              <a:t>2-6-2018</a:t>
+              <a:t>3-6-2018</a:t>
             </a:fld>
             <a:endParaRPr lang="nl-NL" altLang="nl-NL" dirty="0"/>
           </a:p>
@@ -3789,7 +3789,7 @@
           <a:p>
             <a:pPr algn="ctr"/>
             <a:r>
-              <a:rPr lang="nl-NL" dirty="0" smtClean="0"/>
+              <a:rPr lang="nl-NL" sz="4400" dirty="0" smtClean="0"/>
               <a:t>Team 6 </a:t>
             </a:r>
           </a:p>
@@ -3987,11 +3987,7 @@
             </a:r>
             <a:r>
               <a:rPr lang="nl-NL" dirty="0" smtClean="0"/>
-              <a:t> differen</a:t>
-            </a:r>
-            <a:r>
-              <a:rPr lang="nl-NL" dirty="0" smtClean="0"/>
-              <a:t>t </a:t>
+              <a:t> different </a:t>
             </a:r>
             <a:r>
               <a:rPr lang="nl-NL" dirty="0" err="1" smtClean="0"/>
@@ -4025,7 +4021,71 @@
                   <a:srgbClr val="FF0000"/>
                 </a:solidFill>
               </a:rPr>
-              <a:t>512</a:t>
+              <a:t>512 </a:t>
+            </a:r>
+            <a:r>
+              <a:rPr lang="nl-NL" dirty="0" err="1" smtClean="0">
+                <a:solidFill>
+                  <a:srgbClr val="FF0000"/>
+                </a:solidFill>
+              </a:rPr>
+              <a:t>with</a:t>
+            </a:r>
+            <a:r>
+              <a:rPr lang="nl-NL" dirty="0" smtClean="0">
+                <a:solidFill>
+                  <a:srgbClr val="FF0000"/>
+                </a:solidFill>
+              </a:rPr>
+              <a:t> 3 </a:t>
+            </a:r>
+            <a:r>
+              <a:rPr lang="nl-NL" dirty="0" err="1" smtClean="0">
+                <a:solidFill>
+                  <a:srgbClr val="FF0000"/>
+                </a:solidFill>
+              </a:rPr>
+              <a:t>channels</a:t>
+            </a:r>
+            <a:r>
+              <a:rPr lang="nl-NL" dirty="0" smtClean="0">
+                <a:solidFill>
+                  <a:srgbClr val="FF0000"/>
+                </a:solidFill>
+              </a:rPr>
+              <a:t>. </a:t>
+            </a:r>
+            <a:r>
+              <a:rPr lang="nl-NL" dirty="0" smtClean="0"/>
+              <a:t>Patches </a:t>
+            </a:r>
+            <a:r>
+              <a:rPr lang="nl-NL" dirty="0" err="1" smtClean="0"/>
+              <a:t>need</a:t>
+            </a:r>
+            <a:r>
+              <a:rPr lang="nl-NL" dirty="0" smtClean="0"/>
+              <a:t> </a:t>
+            </a:r>
+            <a:r>
+              <a:rPr lang="nl-NL" dirty="0" err="1" smtClean="0"/>
+              <a:t>to</a:t>
+            </a:r>
+            <a:r>
+              <a:rPr lang="nl-NL" dirty="0" smtClean="0"/>
+              <a:t> </a:t>
+            </a:r>
+            <a:r>
+              <a:rPr lang="nl-NL" dirty="0" err="1" smtClean="0"/>
+              <a:t>contain</a:t>
+            </a:r>
+            <a:r>
+              <a:rPr lang="nl-NL" dirty="0" smtClean="0"/>
+              <a:t> </a:t>
+            </a:r>
+            <a:r>
+              <a:rPr lang="nl-NL" dirty="0" err="1" smtClean="0"/>
+              <a:t>lymphocytes</a:t>
             </a:r>
             <a:endParaRPr lang="nl-NL" dirty="0" smtClean="0"/>
           </a:p>
@@ -4134,10 +4194,38 @@
             <a:pPr marL="605148" lvl="1" indent="0">
               <a:buNone/>
             </a:pPr>
-            <a:endParaRPr lang="nl-NL" i="1" dirty="0" smtClean="0"/>
+            <a:r>
+              <a:rPr lang="nl-NL" dirty="0" smtClean="0"/>
+              <a:t>Eh. </a:t>
+            </a:r>
+            <a:endParaRPr lang="nl-NL" dirty="0" smtClean="0"/>
           </a:p>
         </p:txBody>
       </p:sp>
+      <p:pic>
+        <p:nvPicPr>
+          <p:cNvPr id="3" name="Picture 2"/>
+          <p:cNvPicPr>
+            <a:picLocks noChangeAspect="1"/>
+          </p:cNvPicPr>
+          <p:nvPr/>
+        </p:nvPicPr>
+        <p:blipFill>
+          <a:blip r:embed="rId2"/>
+          <a:stretch>
+            <a:fillRect/>
+          </a:stretch>
+        </p:blipFill>
+        <p:spPr>
+          <a:xfrm>
+            <a:off x="2998299" y="3001962"/>
+            <a:ext cx="10296525" cy="3752850"/>
+          </a:xfrm>
+          <a:prstGeom prst="rect">
+            <a:avLst/>
+          </a:prstGeom>
+        </p:spPr>
+      </p:pic>
     </p:spTree>
     <p:extLst>
       <p:ext uri="{BB962C8B-B14F-4D97-AF65-F5344CB8AC3E}">
@@ -4236,178 +4324,126 @@
           <a:p>
             <a:pPr lvl="1"/>
             <a:r>
-              <a:rPr lang="nl-NL" i="1" dirty="0" err="1" smtClean="0"/>
-              <a:t>Figure</a:t>
-            </a:r>
-            <a:r>
-              <a:rPr lang="nl-NL" i="1" dirty="0" smtClean="0"/>
-              <a:t> out different </a:t>
-            </a:r>
-            <a:r>
-              <a:rPr lang="nl-NL" i="1" dirty="0" err="1" smtClean="0"/>
-              <a:t>ways</a:t>
-            </a:r>
-            <a:r>
-              <a:rPr lang="nl-NL" i="1" dirty="0" smtClean="0"/>
+              <a:rPr lang="nl-NL" dirty="0" smtClean="0"/>
+              <a:t>Different </a:t>
+            </a:r>
+            <a:r>
+              <a:rPr lang="nl-NL" dirty="0" err="1" smtClean="0"/>
+              <a:t>augmentations</a:t>
+            </a:r>
+            <a:r>
+              <a:rPr lang="nl-NL" dirty="0" smtClean="0"/>
+              <a:t>  - </a:t>
+            </a:r>
+            <a:r>
+              <a:rPr lang="nl-NL" dirty="0" err="1" smtClean="0"/>
+              <a:t>such</a:t>
+            </a:r>
+            <a:r>
+              <a:rPr lang="nl-NL" dirty="0" smtClean="0"/>
+              <a:t> as </a:t>
+            </a:r>
+            <a:r>
+              <a:rPr lang="nl-NL" dirty="0" err="1" smtClean="0"/>
+              <a:t>warping</a:t>
+            </a:r>
+            <a:endParaRPr lang="nl-NL" dirty="0" smtClean="0"/>
+          </a:p>
+          <a:p>
+            <a:pPr lvl="1"/>
+            <a:r>
+              <a:rPr lang="nl-NL" dirty="0" err="1" smtClean="0"/>
+              <a:t>Better</a:t>
+            </a:r>
+            <a:r>
+              <a:rPr lang="nl-NL" dirty="0" smtClean="0"/>
+              <a:t> sampling </a:t>
+            </a:r>
+            <a:r>
+              <a:rPr lang="nl-NL" dirty="0" err="1" smtClean="0"/>
+              <a:t>techniques</a:t>
+            </a:r>
+            <a:endParaRPr lang="nl-NL" dirty="0" smtClean="0"/>
+          </a:p>
+          <a:p>
+            <a:pPr lvl="1"/>
+            <a:r>
+              <a:rPr lang="nl-NL" dirty="0" err="1" smtClean="0"/>
+              <a:t>Try</a:t>
+            </a:r>
+            <a:r>
+              <a:rPr lang="nl-NL" dirty="0" smtClean="0"/>
               <a:t> </a:t>
             </a:r>
             <a:r>
-              <a:rPr lang="nl-NL" i="1" dirty="0" err="1" smtClean="0"/>
-              <a:t>to</a:t>
-            </a:r>
-            <a:r>
-              <a:rPr lang="nl-NL" i="1" dirty="0" smtClean="0"/>
-              <a:t> get </a:t>
-            </a:r>
-            <a:r>
-              <a:rPr lang="nl-NL" i="1" dirty="0" err="1" smtClean="0"/>
-              <a:t>the</a:t>
-            </a:r>
-            <a:r>
-              <a:rPr lang="nl-NL" i="1" dirty="0" smtClean="0"/>
-              <a:t> center of </a:t>
-            </a:r>
-            <a:r>
-              <a:rPr lang="nl-NL" i="1" dirty="0" err="1" smtClean="0"/>
+              <a:rPr lang="nl-NL" dirty="0" smtClean="0"/>
+              <a:t>+ </a:t>
+            </a:r>
+            <a:r>
+              <a:rPr lang="nl-NL" dirty="0" err="1" smtClean="0"/>
+              <a:t>evaluate</a:t>
+            </a:r>
+            <a:r>
+              <a:rPr lang="nl-NL" dirty="0" smtClean="0"/>
+              <a:t> manual </a:t>
+            </a:r>
+            <a:r>
+              <a:rPr lang="nl-NL" dirty="0" err="1" smtClean="0"/>
               <a:t>annotation</a:t>
             </a:r>
-            <a:endParaRPr lang="nl-NL" i="1" dirty="0" smtClean="0"/>
+            <a:endParaRPr lang="nl-NL" dirty="0" smtClean="0"/>
           </a:p>
           <a:p>
             <a:pPr lvl="1"/>
             <a:r>
-              <a:rPr lang="nl-NL" i="1" dirty="0" smtClean="0"/>
-              <a:t>Different </a:t>
-            </a:r>
-            <a:r>
-              <a:rPr lang="nl-NL" i="1" dirty="0" err="1" smtClean="0"/>
-              <a:t>augmentations</a:t>
-            </a:r>
-            <a:r>
-              <a:rPr lang="nl-NL" i="1" dirty="0" smtClean="0"/>
-              <a:t>  - </a:t>
-            </a:r>
-            <a:r>
-              <a:rPr lang="nl-NL" i="1" dirty="0" err="1" smtClean="0"/>
-              <a:t>such</a:t>
-            </a:r>
-            <a:r>
-              <a:rPr lang="nl-NL" i="1" dirty="0" smtClean="0"/>
-              <a:t> as </a:t>
-            </a:r>
-            <a:r>
-              <a:rPr lang="nl-NL" i="1" dirty="0" err="1" smtClean="0"/>
-              <a:t>warping</a:t>
-            </a:r>
-            <a:endParaRPr lang="nl-NL" i="1" dirty="0" smtClean="0"/>
-          </a:p>
-          <a:p>
-            <a:pPr lvl="1"/>
-            <a:r>
-              <a:rPr lang="nl-NL" i="1" dirty="0" err="1" smtClean="0"/>
-              <a:t>Better</a:t>
-            </a:r>
-            <a:r>
-              <a:rPr lang="nl-NL" i="1" dirty="0" smtClean="0"/>
-              <a:t> sampling </a:t>
-            </a:r>
-            <a:r>
-              <a:rPr lang="nl-NL" i="1" dirty="0" err="1" smtClean="0"/>
-              <a:t>techniques</a:t>
-            </a:r>
-            <a:endParaRPr lang="nl-NL" i="1" dirty="0" smtClean="0"/>
-          </a:p>
-          <a:p>
-            <a:pPr lvl="1"/>
-            <a:r>
-              <a:rPr lang="nl-NL" i="1" dirty="0" err="1" smtClean="0"/>
-              <a:t>Try</a:t>
-            </a:r>
-            <a:r>
-              <a:rPr lang="nl-NL" i="1" dirty="0" smtClean="0"/>
+              <a:rPr lang="nl-NL" dirty="0" err="1" smtClean="0"/>
+              <a:t>Customize</a:t>
+            </a:r>
+            <a:r>
+              <a:rPr lang="nl-NL" dirty="0" smtClean="0"/>
+              <a:t> our </a:t>
+            </a:r>
+            <a:r>
+              <a:rPr lang="nl-NL" dirty="0" err="1" smtClean="0"/>
+              <a:t>functions</a:t>
+            </a:r>
+            <a:r>
+              <a:rPr lang="nl-NL" dirty="0" smtClean="0"/>
               <a:t> </a:t>
             </a:r>
             <a:r>
-              <a:rPr lang="nl-NL" i="1" dirty="0" err="1" smtClean="0"/>
-              <a:t>and</a:t>
-            </a:r>
-            <a:r>
-              <a:rPr lang="nl-NL" i="1" dirty="0" smtClean="0"/>
+              <a:rPr lang="nl-NL" dirty="0" err="1" smtClean="0"/>
+              <a:t>with</a:t>
+            </a:r>
+            <a:r>
+              <a:rPr lang="nl-NL" dirty="0" smtClean="0"/>
               <a:t> </a:t>
             </a:r>
             <a:r>
-              <a:rPr lang="nl-NL" i="1" dirty="0" err="1" smtClean="0"/>
-              <a:t>evaluate</a:t>
-            </a:r>
-            <a:r>
-              <a:rPr lang="nl-NL" i="1" dirty="0" smtClean="0"/>
-              <a:t> manual </a:t>
-            </a:r>
-            <a:r>
-              <a:rPr lang="nl-NL" i="1" dirty="0" err="1" smtClean="0"/>
-              <a:t>annotation</a:t>
-            </a:r>
-            <a:endParaRPr lang="nl-NL" i="1" dirty="0" smtClean="0"/>
-          </a:p>
-          <a:p>
-            <a:pPr lvl="1"/>
-            <a:r>
-              <a:rPr lang="nl-NL" i="1" dirty="0" err="1" smtClean="0"/>
-              <a:t>Customize</a:t>
-            </a:r>
-            <a:r>
-              <a:rPr lang="nl-NL" i="1" dirty="0" smtClean="0"/>
-              <a:t> our </a:t>
-            </a:r>
-            <a:r>
-              <a:rPr lang="nl-NL" i="1" dirty="0" err="1" smtClean="0"/>
-              <a:t>own</a:t>
-            </a:r>
-            <a:r>
-              <a:rPr lang="nl-NL" i="1" dirty="0"/>
+              <a:rPr lang="nl-NL" dirty="0" err="1" smtClean="0"/>
+              <a:t>better</a:t>
+            </a:r>
+            <a:r>
+              <a:rPr lang="nl-NL" dirty="0" smtClean="0"/>
               <a:t> </a:t>
             </a:r>
             <a:r>
-              <a:rPr lang="nl-NL" i="1" dirty="0" err="1" smtClean="0"/>
-              <a:t>loss</a:t>
-            </a:r>
-            <a:r>
-              <a:rPr lang="nl-NL" i="1" dirty="0" smtClean="0"/>
+              <a:rPr lang="nl-NL" dirty="0" err="1" smtClean="0"/>
+              <a:t>penalties</a:t>
+            </a:r>
+            <a:r>
+              <a:rPr lang="nl-NL" dirty="0" smtClean="0"/>
               <a:t> </a:t>
             </a:r>
             <a:r>
-              <a:rPr lang="nl-NL" i="1" dirty="0" err="1" smtClean="0"/>
-              <a:t>function</a:t>
-            </a:r>
-            <a:r>
-              <a:rPr lang="nl-NL" i="1" dirty="0" smtClean="0"/>
-              <a:t> </a:t>
-            </a:r>
-            <a:r>
-              <a:rPr lang="nl-NL" i="1" dirty="0" err="1" smtClean="0"/>
-              <a:t>with</a:t>
-            </a:r>
-            <a:r>
-              <a:rPr lang="nl-NL" i="1" dirty="0" smtClean="0"/>
-              <a:t> a </a:t>
-            </a:r>
-            <a:r>
-              <a:rPr lang="nl-NL" i="1" dirty="0" err="1" smtClean="0"/>
-              <a:t>better</a:t>
-            </a:r>
-            <a:r>
-              <a:rPr lang="nl-NL" i="1" dirty="0" smtClean="0"/>
-              <a:t> penalty </a:t>
-            </a:r>
-            <a:r>
-              <a:rPr lang="nl-NL" i="1" dirty="0" err="1" smtClean="0"/>
+              <a:rPr lang="nl-NL" dirty="0" err="1" smtClean="0"/>
               <a:t>for</a:t>
             </a:r>
             <a:r>
-              <a:rPr lang="nl-NL" i="1" dirty="0" smtClean="0"/>
+              <a:rPr lang="nl-NL" dirty="0" smtClean="0"/>
               <a:t> background</a:t>
             </a:r>
-            <a:endParaRPr lang="nl-NL" i="1" dirty="0" smtClean="0"/>
+            <a:endParaRPr lang="nl-NL" dirty="0" smtClean="0"/>
           </a:p>
         </p:txBody>
       </p:sp>
@@ -4463,7 +4499,7 @@
         </p:nvSpPr>
         <p:spPr>
           <a:xfrm>
-            <a:off x="6350003" y="40376"/>
+            <a:off x="5900325" y="-3832"/>
             <a:ext cx="14889249" cy="1079500"/>
           </a:xfrm>
         </p:spPr>
@@ -4473,7 +4509,11 @@
           <a:p>
             <a:r>
               <a:rPr lang="nl-NL" sz="5400" dirty="0" smtClean="0"/>
-              <a:t> The Boy Band</a:t>
+              <a:t>Team Boy </a:t>
+            </a:r>
+            <a:r>
+              <a:rPr lang="nl-NL" sz="5400" dirty="0" smtClean="0"/>
+              <a:t>Band</a:t>
             </a:r>
             <a:endParaRPr lang="nl-NL" sz="5400" dirty="0"/>
           </a:p>
@@ -4491,13 +4531,13 @@
         </p:nvSpPr>
         <p:spPr>
           <a:xfrm>
-            <a:off x="1211945" y="5713733"/>
-            <a:ext cx="2257306" cy="2912672"/>
+            <a:off x="843676" y="5713733"/>
+            <a:ext cx="2993843" cy="2912672"/>
           </a:xfrm>
         </p:spPr>
         <p:txBody>
           <a:bodyPr>
-            <a:normAutofit fontScale="92500" lnSpcReduction="20000"/>
+            <a:normAutofit/>
           </a:bodyPr>
           <a:lstStyle/>
           <a:p>
@@ -4519,76 +4559,31 @@
             </a:pPr>
             <a:r>
               <a:rPr lang="nl-NL" i="1" dirty="0" smtClean="0"/>
-              <a:t>“</a:t>
+              <a:t>“The Innocent </a:t>
             </a:r>
             <a:r>
               <a:rPr lang="nl-NL" i="1" dirty="0" err="1" smtClean="0"/>
-              <a:t>They</a:t>
-            </a:r>
-            <a:r>
-              <a:rPr lang="nl-NL" i="1" dirty="0" smtClean="0"/>
-              <a:t> </a:t>
-            </a:r>
-            <a:r>
-              <a:rPr lang="nl-NL" i="1" dirty="0" err="1" smtClean="0"/>
-              <a:t>dont</a:t>
-            </a:r>
-            <a:r>
-              <a:rPr lang="nl-NL" i="1" dirty="0" smtClean="0"/>
-              <a:t> </a:t>
-            </a:r>
-            <a:r>
-              <a:rPr lang="nl-NL" i="1" dirty="0" err="1" smtClean="0"/>
-              <a:t>dare</a:t>
-            </a:r>
-            <a:r>
-              <a:rPr lang="nl-NL" i="1" dirty="0" smtClean="0"/>
-              <a:t> </a:t>
-            </a:r>
-            <a:r>
-              <a:rPr lang="nl-NL" i="1" dirty="0" err="1" smtClean="0"/>
-              <a:t>to</a:t>
-            </a:r>
-            <a:r>
-              <a:rPr lang="nl-NL" i="1" dirty="0" smtClean="0"/>
-              <a:t> </a:t>
-            </a:r>
-            <a:r>
-              <a:rPr lang="nl-NL" i="1" dirty="0" err="1" smtClean="0"/>
-              <a:t>give</a:t>
-            </a:r>
-            <a:r>
-              <a:rPr lang="nl-NL" i="1" dirty="0" smtClean="0"/>
-              <a:t> me a </a:t>
-            </a:r>
-            <a:r>
-              <a:rPr lang="nl-NL" i="1" dirty="0" err="1" smtClean="0"/>
-              <a:t>nickname</a:t>
+              <a:t>one</a:t>
             </a:r>
             <a:r>
               <a:rPr lang="nl-NL" i="1" dirty="0" smtClean="0"/>
               <a:t>”</a:t>
             </a:r>
+            <a:endParaRPr lang="nl-NL" i="1" dirty="0"/>
           </a:p>
           <a:p>
             <a:pPr marL="0" indent="0" algn="ctr">
               <a:buNone/>
             </a:pPr>
-            <a:endParaRPr lang="nl-NL" dirty="0"/>
-          </a:p>
-          <a:p>
-            <a:pPr marL="0" indent="0" algn="ctr">
-              <a:buNone/>
-            </a:pPr>
-            <a:r>
-              <a:rPr lang="nl-NL" dirty="0" smtClean="0"/>
+            <a:r>
+              <a:rPr lang="nl-NL" b="1" dirty="0" smtClean="0"/>
               <a:t>Data </a:t>
             </a:r>
             <a:r>
-              <a:rPr lang="nl-NL" dirty="0" err="1" smtClean="0"/>
+              <a:rPr lang="nl-NL" b="1" dirty="0" err="1" smtClean="0"/>
               <a:t>Science</a:t>
             </a:r>
-            <a:endParaRPr lang="nl-NL" dirty="0"/>
+            <a:endParaRPr lang="nl-NL" b="1" dirty="0"/>
           </a:p>
         </p:txBody>
       </p:sp>
@@ -4641,13 +4636,7 @@
         </p:nvPicPr>
         <p:blipFill>
           <a:blip r:embed="rId2">
-            <a:duotone>
-              <a:schemeClr val="accent2">
-                <a:shade val="45000"/>
-                <a:satMod val="135000"/>
-              </a:schemeClr>
-              <a:prstClr val="white"/>
-            </a:duotone>
+            <a:grayscl/>
             <a:extLst>
               <a:ext uri="{28A0092B-C50C-407E-A947-70E740481C1C}">
                 <a14:useLocalDpi xmlns:a14="http://schemas.microsoft.com/office/drawing/2010/main" val="0"/>
@@ -4712,13 +4701,7 @@
         </p:nvPicPr>
         <p:blipFill rotWithShape="1">
           <a:blip r:embed="rId3">
-            <a:duotone>
-              <a:schemeClr val="accent2">
-                <a:shade val="45000"/>
-                <a:satMod val="135000"/>
-              </a:schemeClr>
-              <a:prstClr val="white"/>
-            </a:duotone>
+            <a:grayscl/>
             <a:extLst>
               <a:ext uri="{28A0092B-C50C-407E-A947-70E740481C1C}">
                 <a14:useLocalDpi xmlns:a14="http://schemas.microsoft.com/office/drawing/2010/main" val="0"/>
@@ -4781,13 +4764,7 @@
         </p:nvPicPr>
         <p:blipFill>
           <a:blip r:embed="rId4">
-            <a:duotone>
-              <a:schemeClr val="accent2">
-                <a:shade val="45000"/>
-                <a:satMod val="135000"/>
-              </a:schemeClr>
-              <a:prstClr val="white"/>
-            </a:duotone>
+            <a:grayscl/>
             <a:extLst>
               <a:ext uri="{28A0092B-C50C-407E-A947-70E740481C1C}">
                 <a14:useLocalDpi xmlns:a14="http://schemas.microsoft.com/office/drawing/2010/main" val="0"/>
@@ -4852,13 +4829,7 @@
         </p:nvPicPr>
         <p:blipFill rotWithShape="1">
           <a:blip r:embed="rId5">
-            <a:duotone>
-              <a:schemeClr val="accent2">
-                <a:shade val="45000"/>
-                <a:satMod val="135000"/>
-              </a:schemeClr>
-              <a:prstClr val="white"/>
-            </a:duotone>
+            <a:grayscl/>
             <a:extLst>
               <a:ext uri="{28A0092B-C50C-407E-A947-70E740481C1C}">
                 <a14:useLocalDpi xmlns:a14="http://schemas.microsoft.com/office/drawing/2010/main" val="0"/>
@@ -4921,7 +4892,7 @@
         </p:nvSpPr>
         <p:spPr bwMode="auto">
           <a:xfrm>
-            <a:off x="4896728" y="4482651"/>
+            <a:off x="4823574" y="4498297"/>
             <a:ext cx="3280391" cy="2912672"/>
           </a:xfrm>
           <a:prstGeom prst="rect">
@@ -4950,7 +4921,7 @@
               </a14:hiddenLine>
             </a:ext>
             <a:ext uri="{FAA26D3D-D897-4be2-8F04-BA451C77F1D7}">
-              <ma14:placeholderFlag xmlns:ma14="http://schemas.microsoft.com/office/mac/drawingml/2011/main" xmlns="" val="1"/>
+              <ma14:placeholderFlag xmlns="" xmlns:ma14="http://schemas.microsoft.com/office/mac/drawingml/2011/main" val="1"/>
             </a:ext>
           </a:extLst>
         </p:spPr>
@@ -5149,11 +5120,19 @@
             </a:pPr>
             <a:r>
               <a:rPr lang="nl-NL" i="1" dirty="0" smtClean="0"/>
-              <a:t>“My loops are </a:t>
+              <a:t>..</a:t>
             </a:r>
             <a:r>
               <a:rPr lang="nl-NL" i="1" dirty="0" err="1" smtClean="0"/>
-              <a:t>better</a:t>
+              <a:t>already</a:t>
+            </a:r>
+            <a:r>
+              <a:rPr lang="nl-NL" i="1" dirty="0" smtClean="0"/>
+              <a:t> in a </a:t>
+            </a:r>
+            <a:r>
+              <a:rPr lang="nl-NL" i="1" dirty="0" err="1" smtClean="0"/>
+              <a:t>complicated</a:t>
             </a:r>
             <a:r>
               <a:rPr lang="nl-NL" i="1" dirty="0" smtClean="0"/>
@@ -5161,7 +5140,7 @@
             </a:r>
             <a:r>
               <a:rPr lang="nl-NL" i="1" dirty="0" err="1" smtClean="0"/>
-              <a:t>than</a:t>
+              <a:t>relationship</a:t>
             </a:r>
             <a:r>
               <a:rPr lang="nl-NL" i="1" dirty="0" smtClean="0"/>
@@ -5169,13 +5148,21 @@
             </a:r>
             <a:r>
               <a:rPr lang="nl-NL" i="1" dirty="0" err="1" smtClean="0"/>
-              <a:t>numpy</a:t>
+              <a:t>with</a:t>
             </a:r>
             <a:r>
               <a:rPr lang="nl-NL" i="1" dirty="0" smtClean="0"/>
-              <a:t>”</a:t>
-            </a:r>
-            <a:endParaRPr lang="nl-NL" dirty="0" smtClean="0"/>
+              <a:t> </a:t>
+            </a:r>
+            <a:r>
+              <a:rPr lang="nl-NL" i="1" dirty="0" err="1" smtClean="0">
+                <a:solidFill>
+                  <a:srgbClr val="FF0000"/>
+                </a:solidFill>
+              </a:rPr>
+              <a:t>Numpy</a:t>
+            </a:r>
+            <a:endParaRPr lang="nl-NL" i="1" dirty="0"/>
           </a:p>
           <a:p>
             <a:pPr marL="0" indent="0" algn="ctr">
@@ -5183,14 +5170,14 @@
               <a:buNone/>
             </a:pPr>
             <a:r>
-              <a:rPr lang="nl-NL" dirty="0" smtClean="0"/>
-              <a:t>Software </a:t>
-            </a:r>
-            <a:r>
-              <a:rPr lang="nl-NL" dirty="0" err="1" smtClean="0"/>
+              <a:rPr lang="nl-NL" b="1" dirty="0" smtClean="0"/>
+              <a:t> Software </a:t>
+            </a:r>
+            <a:r>
+              <a:rPr lang="nl-NL" b="1" dirty="0" err="1" smtClean="0"/>
               <a:t>Science</a:t>
             </a:r>
-            <a:endParaRPr lang="nl-NL" dirty="0"/>
+            <a:endParaRPr lang="nl-NL" b="1" dirty="0"/>
           </a:p>
         </p:txBody>
       </p:sp>
@@ -5204,8 +5191,8 @@
         </p:nvSpPr>
         <p:spPr bwMode="auto">
           <a:xfrm>
-            <a:off x="9480814" y="4498297"/>
-            <a:ext cx="2257306" cy="2912672"/>
+            <a:off x="9325331" y="4498297"/>
+            <a:ext cx="2568271" cy="2912672"/>
           </a:xfrm>
           <a:prstGeom prst="rect">
             <a:avLst/>
@@ -5233,308 +5220,7 @@
               </a14:hiddenLine>
             </a:ext>
             <a:ext uri="{FAA26D3D-D897-4be2-8F04-BA451C77F1D7}">
-              <ma14:placeholderFlag xmlns:ma14="http://schemas.microsoft.com/office/mac/drawingml/2011/main" xmlns="" val="1"/>
-            </a:ext>
-          </a:extLst>
-        </p:spPr>
-        <p:txBody>
-          <a:bodyPr vert="horz" wrap="square" lIns="36000" tIns="36000" rIns="36000" bIns="36000" numCol="1" anchor="t" anchorCtr="0" compatLnSpc="1">
-            <a:prstTxWarp prst="textNoShape">
-              <a:avLst/>
-            </a:prstTxWarp>
-            <a:normAutofit fontScale="92500" lnSpcReduction="20000"/>
-          </a:bodyPr>
-          <a:lstStyle>
-            <a:lvl1pPr marL="609951" indent="-609951" algn="l" defTabSz="866215" rtl="0" eaLnBrk="1" fontAlgn="base" hangingPunct="1">
-              <a:lnSpc>
-                <a:spcPct val="100000"/>
-              </a:lnSpc>
-              <a:spcBef>
-                <a:spcPts val="2001"/>
-              </a:spcBef>
-              <a:spcAft>
-                <a:spcPct val="0"/>
-              </a:spcAft>
-              <a:buFont typeface="Arial" charset="0"/>
-              <a:buChar char="•"/>
-              <a:defRPr sz="2800" kern="1200" baseline="0">
-                <a:solidFill>
-                  <a:schemeClr val="tx1"/>
-                </a:solidFill>
-                <a:latin typeface="+mn-lt"/>
-                <a:ea typeface="+mn-ea"/>
-                <a:cs typeface="+mn-cs"/>
-              </a:defRPr>
-            </a:lvl1pPr>
-            <a:lvl2pPr marL="1062611" indent="-457463" algn="l" defTabSz="866215" rtl="0" eaLnBrk="1" fontAlgn="base" hangingPunct="1">
-              <a:lnSpc>
-                <a:spcPct val="90000"/>
-              </a:lnSpc>
-              <a:spcBef>
-                <a:spcPts val="2001"/>
-              </a:spcBef>
-              <a:spcAft>
-                <a:spcPct val="0"/>
-              </a:spcAft>
-              <a:buFont typeface="Arial" charset="0"/>
-              <a:buChar char="•"/>
-              <a:defRPr sz="2800" kern="1200">
-                <a:solidFill>
-                  <a:schemeClr val="tx1"/>
-                </a:solidFill>
-                <a:latin typeface="+mn-lt"/>
-                <a:ea typeface="+mn-ea"/>
-                <a:cs typeface="+mn-cs"/>
-              </a:defRPr>
-            </a:lvl2pPr>
-            <a:lvl3pPr marL="1677364" indent="-457463" algn="l" defTabSz="866215" rtl="0" eaLnBrk="1" fontAlgn="base" hangingPunct="1">
-              <a:lnSpc>
-                <a:spcPct val="90000"/>
-              </a:lnSpc>
-              <a:spcBef>
-                <a:spcPts val="1334"/>
-              </a:spcBef>
-              <a:spcAft>
-                <a:spcPct val="0"/>
-              </a:spcAft>
-              <a:buFont typeface="Helvetica" charset="0"/>
-              <a:buChar char="−"/>
-              <a:defRPr sz="2000" kern="1200">
-                <a:solidFill>
-                  <a:schemeClr val="tx1"/>
-                </a:solidFill>
-                <a:latin typeface="+mn-lt"/>
-                <a:ea typeface="+mn-ea"/>
-                <a:cs typeface="+mn-cs"/>
-              </a:defRPr>
-            </a:lvl3pPr>
-            <a:lvl4pPr marL="2206268" indent="-381219" algn="l" defTabSz="866215" rtl="0" eaLnBrk="1" fontAlgn="base" hangingPunct="1">
-              <a:lnSpc>
-                <a:spcPct val="90000"/>
-              </a:lnSpc>
-              <a:spcBef>
-                <a:spcPts val="1334"/>
-              </a:spcBef>
-              <a:spcAft>
-                <a:spcPct val="0"/>
-              </a:spcAft>
-              <a:buFont typeface="Helvetica" charset="0"/>
-              <a:buChar char="−"/>
-              <a:defRPr sz="1800" kern="1200">
-                <a:solidFill>
-                  <a:schemeClr val="tx1"/>
-                </a:solidFill>
-                <a:latin typeface="+mn-lt"/>
-                <a:ea typeface="+mn-ea"/>
-                <a:cs typeface="+mn-cs"/>
-              </a:defRPr>
-            </a:lvl4pPr>
-            <a:lvl5pPr marL="2821021" indent="-381219" algn="l" defTabSz="866215" rtl="0" eaLnBrk="1" fontAlgn="base" hangingPunct="1">
-              <a:lnSpc>
-                <a:spcPct val="90000"/>
-              </a:lnSpc>
-              <a:spcBef>
-                <a:spcPts val="1334"/>
-              </a:spcBef>
-              <a:spcAft>
-                <a:spcPct val="0"/>
-              </a:spcAft>
-              <a:buFont typeface="Helvetica" charset="0"/>
-              <a:buChar char="−"/>
-              <a:defRPr sz="1600" kern="1200">
-                <a:solidFill>
-                  <a:schemeClr val="tx1"/>
-                </a:solidFill>
-                <a:latin typeface="+mn-lt"/>
-                <a:ea typeface="+mn-ea"/>
-                <a:cs typeface="+mn-cs"/>
-              </a:defRPr>
-            </a:lvl5pPr>
-            <a:lvl6pPr marL="4771430" indent="-433767" algn="l" defTabSz="867533" rtl="0" eaLnBrk="1" latinLnBrk="0" hangingPunct="1">
-              <a:spcBef>
-                <a:spcPct val="20000"/>
-              </a:spcBef>
-              <a:buFont typeface="Arial"/>
-              <a:buChar char="•"/>
-              <a:defRPr sz="3735" kern="1200">
-                <a:solidFill>
-                  <a:schemeClr val="tx1"/>
-                </a:solidFill>
-                <a:latin typeface="+mn-lt"/>
-                <a:ea typeface="+mn-ea"/>
-                <a:cs typeface="+mn-cs"/>
-              </a:defRPr>
-            </a:lvl6pPr>
-            <a:lvl7pPr marL="5638962" indent="-433767" algn="l" defTabSz="867533" rtl="0" eaLnBrk="1" latinLnBrk="0" hangingPunct="1">
-              <a:spcBef>
-                <a:spcPct val="20000"/>
-              </a:spcBef>
-              <a:buFont typeface="Arial"/>
-              <a:buChar char="•"/>
-              <a:defRPr sz="3735" kern="1200">
-                <a:solidFill>
-                  <a:schemeClr val="tx1"/>
-                </a:solidFill>
-                <a:latin typeface="+mn-lt"/>
-                <a:ea typeface="+mn-ea"/>
-                <a:cs typeface="+mn-cs"/>
-              </a:defRPr>
-            </a:lvl7pPr>
-            <a:lvl8pPr marL="6506495" indent="-433767" algn="l" defTabSz="867533" rtl="0" eaLnBrk="1" latinLnBrk="0" hangingPunct="1">
-              <a:spcBef>
-                <a:spcPct val="20000"/>
-              </a:spcBef>
-              <a:buFont typeface="Arial"/>
-              <a:buChar char="•"/>
-              <a:defRPr sz="3735" kern="1200">
-                <a:solidFill>
-                  <a:schemeClr val="tx1"/>
-                </a:solidFill>
-                <a:latin typeface="+mn-lt"/>
-                <a:ea typeface="+mn-ea"/>
-                <a:cs typeface="+mn-cs"/>
-              </a:defRPr>
-            </a:lvl8pPr>
-            <a:lvl9pPr marL="7374027" indent="-433767" algn="l" defTabSz="867533" rtl="0" eaLnBrk="1" latinLnBrk="0" hangingPunct="1">
-              <a:spcBef>
-                <a:spcPct val="20000"/>
-              </a:spcBef>
-              <a:buFont typeface="Arial"/>
-              <a:buChar char="•"/>
-              <a:defRPr sz="3735" kern="1200">
-                <a:solidFill>
-                  <a:schemeClr val="tx1"/>
-                </a:solidFill>
-                <a:latin typeface="+mn-lt"/>
-                <a:ea typeface="+mn-ea"/>
-                <a:cs typeface="+mn-cs"/>
-              </a:defRPr>
-            </a:lvl9pPr>
-          </a:lstStyle>
-          <a:p>
-            <a:pPr marL="0" indent="0" algn="ctr">
-              <a:buFont typeface="Arial" charset="0"/>
-              <a:buNone/>
-            </a:pPr>
-            <a:r>
-              <a:rPr lang="nl-NL" dirty="0" smtClean="0">
-                <a:solidFill>
-                  <a:srgbClr val="FF0000"/>
-                </a:solidFill>
-              </a:rPr>
-              <a:t>Christoph</a:t>
-            </a:r>
-          </a:p>
-          <a:p>
-            <a:pPr marL="0" indent="0" algn="ctr">
-              <a:buFont typeface="Arial" charset="0"/>
-              <a:buNone/>
-            </a:pPr>
-            <a:r>
-              <a:rPr lang="nl-NL" i="1" dirty="0" smtClean="0"/>
-              <a:t>“</a:t>
-            </a:r>
-            <a:r>
-              <a:rPr lang="nl-NL" i="1" dirty="0" err="1" smtClean="0"/>
-              <a:t>Suspicious</a:t>
-            </a:r>
-            <a:r>
-              <a:rPr lang="nl-NL" i="1" dirty="0" smtClean="0"/>
-              <a:t> </a:t>
-            </a:r>
-            <a:r>
-              <a:rPr lang="nl-NL" i="1" dirty="0" err="1" smtClean="0"/>
-              <a:t>hatchet</a:t>
-            </a:r>
-            <a:r>
-              <a:rPr lang="nl-NL" i="1" dirty="0" smtClean="0"/>
-              <a:t> </a:t>
-            </a:r>
-            <a:r>
-              <a:rPr lang="nl-NL" i="1" dirty="0" err="1" smtClean="0"/>
-              <a:t>not</a:t>
-            </a:r>
-            <a:r>
-              <a:rPr lang="nl-NL" i="1" dirty="0" smtClean="0"/>
-              <a:t> </a:t>
-            </a:r>
-            <a:r>
-              <a:rPr lang="nl-NL" i="1" dirty="0" err="1" smtClean="0"/>
-              <a:t>included</a:t>
-            </a:r>
-            <a:r>
-              <a:rPr lang="nl-NL" i="1" dirty="0" smtClean="0"/>
-              <a:t>”</a:t>
-            </a:r>
-          </a:p>
-          <a:p>
-            <a:pPr marL="0" indent="0" algn="ctr">
-              <a:buFont typeface="Arial" charset="0"/>
-              <a:buNone/>
-            </a:pPr>
-            <a:endParaRPr lang="nl-NL" dirty="0" smtClean="0"/>
-          </a:p>
-          <a:p>
-            <a:pPr marL="0" indent="0" algn="ctr">
-              <a:buFont typeface="Arial" charset="0"/>
-              <a:buNone/>
-            </a:pPr>
-            <a:r>
-              <a:rPr lang="nl-NL" dirty="0" smtClean="0"/>
-              <a:t>Data</a:t>
-            </a:r>
-            <a:r>
-              <a:rPr lang="nl-NL" b="1" dirty="0" smtClean="0"/>
-              <a:t> </a:t>
-            </a:r>
-            <a:r>
-              <a:rPr lang="nl-NL" dirty="0" err="1" smtClean="0"/>
-              <a:t>Science</a:t>
-            </a:r>
-            <a:endParaRPr lang="nl-NL" dirty="0"/>
-          </a:p>
-        </p:txBody>
-      </p:sp>
-      <p:sp>
-        <p:nvSpPr>
-          <p:cNvPr id="15" name="Tijdelijke aanduiding voor inhoud 4"/>
-          <p:cNvSpPr txBox="1">
-            <a:spLocks/>
-          </p:cNvSpPr>
-          <p:nvPr/>
-        </p:nvSpPr>
-        <p:spPr bwMode="auto">
-          <a:xfrm>
-            <a:off x="13344950" y="5713733"/>
-            <a:ext cx="2441729" cy="2912672"/>
-          </a:xfrm>
-          <a:prstGeom prst="rect">
-            <a:avLst/>
-          </a:prstGeom>
-          <a:noFill/>
-          <a:ln>
-            <a:noFill/>
-          </a:ln>
-          <a:extLst>
-            <a:ext uri="{909E8E84-426E-40DD-AFC4-6F175D3DCCD1}">
-              <a14:hiddenFill xmlns:a14="http://schemas.microsoft.com/office/drawing/2010/main">
-                <a:solidFill>
-                  <a:srgbClr val="FFFFFF"/>
-                </a:solidFill>
-              </a14:hiddenFill>
-            </a:ext>
-            <a:ext uri="{91240B29-F687-4F45-9708-019B960494DF}">
-              <a14:hiddenLine xmlns:a14="http://schemas.microsoft.com/office/drawing/2010/main" w="9525">
-                <a:solidFill>
-                  <a:srgbClr val="000000"/>
-                </a:solidFill>
-                <a:miter lim="800000"/>
-                <a:headEnd/>
-                <a:tailEnd/>
-              </a14:hiddenLine>
-            </a:ext>
-            <a:ext uri="{FAA26D3D-D897-4be2-8F04-BA451C77F1D7}">
-              <ma14:placeholderFlag xmlns:ma14="http://schemas.microsoft.com/office/mac/drawingml/2011/main" xmlns="" val="1"/>
+              <ma14:placeholderFlag xmlns="" xmlns:ma14="http://schemas.microsoft.com/office/mac/drawingml/2011/main" val="1"/>
             </a:ext>
           </a:extLst>
         </p:spPr>
@@ -5723,7 +5409,7 @@
                   <a:srgbClr val="FF0000"/>
                 </a:solidFill>
               </a:rPr>
-              <a:t>Brian</a:t>
+              <a:t>Christoph</a:t>
             </a:r>
           </a:p>
           <a:p>
@@ -5733,30 +5419,291 @@
             </a:pPr>
             <a:r>
               <a:rPr lang="nl-NL" i="1" dirty="0" smtClean="0"/>
-              <a:t>“The Ladykiller”</a:t>
-            </a:r>
+              <a:t>“The bad boy”</a:t>
+            </a:r>
+            <a:endParaRPr lang="nl-NL" dirty="0" smtClean="0"/>
           </a:p>
           <a:p>
             <a:pPr marL="0" indent="0" algn="ctr">
               <a:buFont typeface="Arial" charset="0"/>
               <a:buNone/>
             </a:pPr>
-            <a:endParaRPr lang="nl-NL" dirty="0" smtClean="0"/>
-          </a:p>
+            <a:r>
+              <a:rPr lang="nl-NL" b="1" dirty="0" smtClean="0"/>
+              <a:t>Data </a:t>
+            </a:r>
+            <a:r>
+              <a:rPr lang="nl-NL" b="1" dirty="0" err="1" smtClean="0"/>
+              <a:t>Science</a:t>
+            </a:r>
+            <a:endParaRPr lang="nl-NL" b="1" dirty="0"/>
+          </a:p>
+        </p:txBody>
+      </p:sp>
+      <p:sp>
+        <p:nvSpPr>
+          <p:cNvPr id="15" name="Tijdelijke aanduiding voor inhoud 4"/>
+          <p:cNvSpPr txBox="1">
+            <a:spLocks/>
+          </p:cNvSpPr>
+          <p:nvPr/>
+        </p:nvSpPr>
+        <p:spPr bwMode="auto">
+          <a:xfrm>
+            <a:off x="13041816" y="5713733"/>
+            <a:ext cx="2744864" cy="2912672"/>
+          </a:xfrm>
+          <a:prstGeom prst="rect">
+            <a:avLst/>
+          </a:prstGeom>
+          <a:noFill/>
+          <a:ln>
+            <a:noFill/>
+          </a:ln>
+          <a:extLst>
+            <a:ext uri="{909E8E84-426E-40DD-AFC4-6F175D3DCCD1}">
+              <a14:hiddenFill xmlns:a14="http://schemas.microsoft.com/office/drawing/2010/main">
+                <a:solidFill>
+                  <a:srgbClr val="FFFFFF"/>
+                </a:solidFill>
+              </a14:hiddenFill>
+            </a:ext>
+            <a:ext uri="{91240B29-F687-4F45-9708-019B960494DF}">
+              <a14:hiddenLine xmlns:a14="http://schemas.microsoft.com/office/drawing/2010/main" w="9525">
+                <a:solidFill>
+                  <a:srgbClr val="000000"/>
+                </a:solidFill>
+                <a:miter lim="800000"/>
+                <a:headEnd/>
+                <a:tailEnd/>
+              </a14:hiddenLine>
+            </a:ext>
+            <a:ext uri="{FAA26D3D-D897-4be2-8F04-BA451C77F1D7}">
+              <ma14:placeholderFlag xmlns="" xmlns:ma14="http://schemas.microsoft.com/office/mac/drawingml/2011/main" val="1"/>
+            </a:ext>
+          </a:extLst>
+        </p:spPr>
+        <p:txBody>
+          <a:bodyPr vert="horz" wrap="square" lIns="36000" tIns="36000" rIns="36000" bIns="36000" numCol="1" anchor="t" anchorCtr="0" compatLnSpc="1">
+            <a:prstTxWarp prst="textNoShape">
+              <a:avLst/>
+            </a:prstTxWarp>
+            <a:normAutofit/>
+          </a:bodyPr>
+          <a:lstStyle>
+            <a:lvl1pPr marL="609951" indent="-609951" algn="l" defTabSz="866215" rtl="0" eaLnBrk="1" fontAlgn="base" hangingPunct="1">
+              <a:lnSpc>
+                <a:spcPct val="100000"/>
+              </a:lnSpc>
+              <a:spcBef>
+                <a:spcPts val="2001"/>
+              </a:spcBef>
+              <a:spcAft>
+                <a:spcPct val="0"/>
+              </a:spcAft>
+              <a:buFont typeface="Arial" charset="0"/>
+              <a:buChar char="•"/>
+              <a:defRPr sz="2800" kern="1200" baseline="0">
+                <a:solidFill>
+                  <a:schemeClr val="tx1"/>
+                </a:solidFill>
+                <a:latin typeface="+mn-lt"/>
+                <a:ea typeface="+mn-ea"/>
+                <a:cs typeface="+mn-cs"/>
+              </a:defRPr>
+            </a:lvl1pPr>
+            <a:lvl2pPr marL="1062611" indent="-457463" algn="l" defTabSz="866215" rtl="0" eaLnBrk="1" fontAlgn="base" hangingPunct="1">
+              <a:lnSpc>
+                <a:spcPct val="90000"/>
+              </a:lnSpc>
+              <a:spcBef>
+                <a:spcPts val="2001"/>
+              </a:spcBef>
+              <a:spcAft>
+                <a:spcPct val="0"/>
+              </a:spcAft>
+              <a:buFont typeface="Arial" charset="0"/>
+              <a:buChar char="•"/>
+              <a:defRPr sz="2800" kern="1200">
+                <a:solidFill>
+                  <a:schemeClr val="tx1"/>
+                </a:solidFill>
+                <a:latin typeface="+mn-lt"/>
+                <a:ea typeface="+mn-ea"/>
+                <a:cs typeface="+mn-cs"/>
+              </a:defRPr>
+            </a:lvl2pPr>
+            <a:lvl3pPr marL="1677364" indent="-457463" algn="l" defTabSz="866215" rtl="0" eaLnBrk="1" fontAlgn="base" hangingPunct="1">
+              <a:lnSpc>
+                <a:spcPct val="90000"/>
+              </a:lnSpc>
+              <a:spcBef>
+                <a:spcPts val="1334"/>
+              </a:spcBef>
+              <a:spcAft>
+                <a:spcPct val="0"/>
+              </a:spcAft>
+              <a:buFont typeface="Helvetica" charset="0"/>
+              <a:buChar char="−"/>
+              <a:defRPr sz="2000" kern="1200">
+                <a:solidFill>
+                  <a:schemeClr val="tx1"/>
+                </a:solidFill>
+                <a:latin typeface="+mn-lt"/>
+                <a:ea typeface="+mn-ea"/>
+                <a:cs typeface="+mn-cs"/>
+              </a:defRPr>
+            </a:lvl3pPr>
+            <a:lvl4pPr marL="2206268" indent="-381219" algn="l" defTabSz="866215" rtl="0" eaLnBrk="1" fontAlgn="base" hangingPunct="1">
+              <a:lnSpc>
+                <a:spcPct val="90000"/>
+              </a:lnSpc>
+              <a:spcBef>
+                <a:spcPts val="1334"/>
+              </a:spcBef>
+              <a:spcAft>
+                <a:spcPct val="0"/>
+              </a:spcAft>
+              <a:buFont typeface="Helvetica" charset="0"/>
+              <a:buChar char="−"/>
+              <a:defRPr sz="1800" kern="1200">
+                <a:solidFill>
+                  <a:schemeClr val="tx1"/>
+                </a:solidFill>
+                <a:latin typeface="+mn-lt"/>
+                <a:ea typeface="+mn-ea"/>
+                <a:cs typeface="+mn-cs"/>
+              </a:defRPr>
+            </a:lvl4pPr>
+            <a:lvl5pPr marL="2821021" indent="-381219" algn="l" defTabSz="866215" rtl="0" eaLnBrk="1" fontAlgn="base" hangingPunct="1">
+              <a:lnSpc>
+                <a:spcPct val="90000"/>
+              </a:lnSpc>
+              <a:spcBef>
+                <a:spcPts val="1334"/>
+              </a:spcBef>
+              <a:spcAft>
+                <a:spcPct val="0"/>
+              </a:spcAft>
+              <a:buFont typeface="Helvetica" charset="0"/>
+              <a:buChar char="−"/>
+              <a:defRPr sz="1600" kern="1200">
+                <a:solidFill>
+                  <a:schemeClr val="tx1"/>
+                </a:solidFill>
+                <a:latin typeface="+mn-lt"/>
+                <a:ea typeface="+mn-ea"/>
+                <a:cs typeface="+mn-cs"/>
+              </a:defRPr>
+            </a:lvl5pPr>
+            <a:lvl6pPr marL="4771430" indent="-433767" algn="l" defTabSz="867533" rtl="0" eaLnBrk="1" latinLnBrk="0" hangingPunct="1">
+              <a:spcBef>
+                <a:spcPct val="20000"/>
+              </a:spcBef>
+              <a:buFont typeface="Arial"/>
+              <a:buChar char="•"/>
+              <a:defRPr sz="3735" kern="1200">
+                <a:solidFill>
+                  <a:schemeClr val="tx1"/>
+                </a:solidFill>
+                <a:latin typeface="+mn-lt"/>
+                <a:ea typeface="+mn-ea"/>
+                <a:cs typeface="+mn-cs"/>
+              </a:defRPr>
+            </a:lvl6pPr>
+            <a:lvl7pPr marL="5638962" indent="-433767" algn="l" defTabSz="867533" rtl="0" eaLnBrk="1" latinLnBrk="0" hangingPunct="1">
+              <a:spcBef>
+                <a:spcPct val="20000"/>
+              </a:spcBef>
+              <a:buFont typeface="Arial"/>
+              <a:buChar char="•"/>
+              <a:defRPr sz="3735" kern="1200">
+                <a:solidFill>
+                  <a:schemeClr val="tx1"/>
+                </a:solidFill>
+                <a:latin typeface="+mn-lt"/>
+                <a:ea typeface="+mn-ea"/>
+                <a:cs typeface="+mn-cs"/>
+              </a:defRPr>
+            </a:lvl7pPr>
+            <a:lvl8pPr marL="6506495" indent="-433767" algn="l" defTabSz="867533" rtl="0" eaLnBrk="1" latinLnBrk="0" hangingPunct="1">
+              <a:spcBef>
+                <a:spcPct val="20000"/>
+              </a:spcBef>
+              <a:buFont typeface="Arial"/>
+              <a:buChar char="•"/>
+              <a:defRPr sz="3735" kern="1200">
+                <a:solidFill>
+                  <a:schemeClr val="tx1"/>
+                </a:solidFill>
+                <a:latin typeface="+mn-lt"/>
+                <a:ea typeface="+mn-ea"/>
+                <a:cs typeface="+mn-cs"/>
+              </a:defRPr>
+            </a:lvl8pPr>
+            <a:lvl9pPr marL="7374027" indent="-433767" algn="l" defTabSz="867533" rtl="0" eaLnBrk="1" latinLnBrk="0" hangingPunct="1">
+              <a:spcBef>
+                <a:spcPct val="20000"/>
+              </a:spcBef>
+              <a:buFont typeface="Arial"/>
+              <a:buChar char="•"/>
+              <a:defRPr sz="3735" kern="1200">
+                <a:solidFill>
+                  <a:schemeClr val="tx1"/>
+                </a:solidFill>
+                <a:latin typeface="+mn-lt"/>
+                <a:ea typeface="+mn-ea"/>
+                <a:cs typeface="+mn-cs"/>
+              </a:defRPr>
+            </a:lvl9pPr>
+          </a:lstStyle>
           <a:p>
             <a:pPr marL="0" indent="0" algn="ctr">
               <a:buFont typeface="Arial" charset="0"/>
               <a:buNone/>
             </a:pPr>
             <a:r>
-              <a:rPr lang="nl-NL" dirty="0" smtClean="0"/>
+              <a:rPr lang="nl-NL" dirty="0" smtClean="0">
+                <a:solidFill>
+                  <a:srgbClr val="FF0000"/>
+                </a:solidFill>
+              </a:rPr>
+              <a:t>Brian</a:t>
+            </a:r>
+          </a:p>
+          <a:p>
+            <a:pPr marL="0" indent="0" algn="ctr">
+              <a:buFont typeface="Arial" charset="0"/>
+              <a:buNone/>
+            </a:pPr>
+            <a:r>
+              <a:rPr lang="nl-NL" i="1" dirty="0" smtClean="0"/>
+              <a:t>“The hot </a:t>
+            </a:r>
+            <a:r>
+              <a:rPr lang="nl-NL" i="1" dirty="0" err="1" smtClean="0"/>
+              <a:t>one</a:t>
+            </a:r>
+            <a:r>
+              <a:rPr lang="nl-NL" i="1" dirty="0" smtClean="0"/>
+              <a:t>”</a:t>
+            </a:r>
+            <a:endParaRPr lang="nl-NL" dirty="0" smtClean="0"/>
+          </a:p>
+          <a:p>
+            <a:pPr marL="0" indent="0" algn="ctr">
+              <a:buFont typeface="Arial" charset="0"/>
+              <a:buNone/>
+            </a:pPr>
+            <a:r>
+              <a:rPr lang="nl-NL" b="1" dirty="0" smtClean="0"/>
               <a:t>Data </a:t>
             </a:r>
             <a:r>
-              <a:rPr lang="nl-NL" dirty="0" err="1" smtClean="0"/>
+              <a:rPr lang="nl-NL" b="1" dirty="0" err="1" smtClean="0"/>
               <a:t>Science</a:t>
             </a:r>
-            <a:endParaRPr lang="nl-NL" dirty="0"/>
+            <a:endParaRPr lang="nl-NL" b="1" dirty="0"/>
           </a:p>
         </p:txBody>
       </p:sp>
@@ -5979,8 +5926,36 @@
             </a:r>
             <a:r>
               <a:rPr lang="nl-NL" dirty="0" smtClean="0"/>
-              <a:t> file</a:t>
-            </a:r>
+              <a:t> </a:t>
+            </a:r>
+            <a:r>
+              <a:rPr lang="nl-NL" dirty="0" smtClean="0"/>
+              <a:t>file</a:t>
+            </a:r>
+          </a:p>
+          <a:p>
+            <a:pPr lvl="1"/>
+            <a:endParaRPr lang="nl-NL" dirty="0"/>
+          </a:p>
+          <a:p>
+            <a:pPr lvl="1"/>
+            <a:r>
+              <a:rPr lang="nl-NL" dirty="0" err="1" smtClean="0"/>
+              <a:t>Various</a:t>
+            </a:r>
+            <a:r>
+              <a:rPr lang="nl-NL" dirty="0" smtClean="0"/>
+              <a:t> </a:t>
+            </a:r>
+            <a:r>
+              <a:rPr lang="nl-NL" dirty="0" err="1" smtClean="0"/>
+              <a:t>artifacts</a:t>
+            </a:r>
+            <a:endParaRPr lang="nl-NL" dirty="0"/>
+          </a:p>
+          <a:p>
+            <a:pPr lvl="1"/>
+            <a:endParaRPr lang="nl-NL" dirty="0" smtClean="0"/>
           </a:p>
           <a:p>
             <a:pPr marL="605148" lvl="1" indent="0">
@@ -6160,7 +6135,88 @@
               <a:rPr lang="nl-NL" dirty="0" err="1" smtClean="0"/>
               <a:t>lymphocytes</a:t>
             </a:r>
-            <a:endParaRPr lang="nl-NL" dirty="0" smtClean="0"/>
+            <a:r>
+              <a:rPr lang="nl-NL" dirty="0" smtClean="0"/>
+              <a:t> </a:t>
+            </a:r>
+            <a:r>
+              <a:rPr lang="nl-NL" dirty="0" err="1" smtClean="0"/>
+              <a:t>because</a:t>
+            </a:r>
+            <a:r>
+              <a:rPr lang="nl-NL" dirty="0" smtClean="0"/>
+              <a:t> </a:t>
+            </a:r>
+            <a:r>
+              <a:rPr lang="nl-NL" dirty="0" err="1" smtClean="0"/>
+              <a:t>it</a:t>
+            </a:r>
+            <a:r>
+              <a:rPr lang="nl-NL" dirty="0" smtClean="0"/>
+              <a:t> is </a:t>
+            </a:r>
+            <a:r>
+              <a:rPr lang="nl-NL" dirty="0" err="1" smtClean="0"/>
+              <a:t>related</a:t>
+            </a:r>
+            <a:r>
+              <a:rPr lang="nl-NL" dirty="0" smtClean="0"/>
+              <a:t> </a:t>
+            </a:r>
+            <a:r>
+              <a:rPr lang="nl-NL" dirty="0" err="1" smtClean="0"/>
+              <a:t>to</a:t>
+            </a:r>
+            <a:r>
+              <a:rPr lang="nl-NL" dirty="0" smtClean="0"/>
+              <a:t> </a:t>
+            </a:r>
+            <a:r>
+              <a:rPr lang="nl-NL" dirty="0" err="1" smtClean="0"/>
+              <a:t>outcome</a:t>
+            </a:r>
+            <a:r>
+              <a:rPr lang="nl-NL" dirty="0" smtClean="0"/>
+              <a:t> </a:t>
+            </a:r>
+          </a:p>
+          <a:p>
+            <a:pPr marL="605148" lvl="1" indent="0">
+              <a:buNone/>
+            </a:pPr>
+            <a:r>
+              <a:rPr lang="nl-NL" i="1" dirty="0" smtClean="0"/>
+              <a:t>					</a:t>
+            </a:r>
+            <a:r>
+              <a:rPr lang="nl-NL" i="1" dirty="0" err="1" smtClean="0"/>
+              <a:t>And</a:t>
+            </a:r>
+            <a:r>
+              <a:rPr lang="nl-NL" i="1" dirty="0" smtClean="0"/>
+              <a:t> takes long </a:t>
+            </a:r>
+            <a:r>
+              <a:rPr lang="nl-NL" i="1" dirty="0" err="1" smtClean="0"/>
+              <a:t>if</a:t>
+            </a:r>
+            <a:r>
+              <a:rPr lang="nl-NL" i="1" dirty="0" smtClean="0"/>
+              <a:t> </a:t>
+            </a:r>
+            <a:r>
+              <a:rPr lang="nl-NL" i="1" dirty="0" err="1" smtClean="0"/>
+              <a:t>done</a:t>
+            </a:r>
+            <a:r>
+              <a:rPr lang="nl-NL" i="1" dirty="0" smtClean="0"/>
+              <a:t> </a:t>
+            </a:r>
+            <a:r>
+              <a:rPr lang="nl-NL" i="1" dirty="0" err="1" smtClean="0"/>
+              <a:t>manually</a:t>
+            </a:r>
+            <a:endParaRPr lang="nl-NL" i="1" dirty="0" smtClean="0"/>
           </a:p>
           <a:p>
             <a:pPr lvl="1"/>
@@ -6831,7 +6887,6 @@
               <a:rPr lang="nl-NL" dirty="0" smtClean="0"/>
               <a:t>, right?)</a:t>
             </a:r>
-            <a:endParaRPr lang="nl-NL" dirty="0" smtClean="0"/>
           </a:p>
         </p:txBody>
       </p:sp>
@@ -7370,9 +7425,6 @@
               </a:rPr>
               <a:t>Square</a:t>
             </a:r>
-            <a:endParaRPr lang="nl-NL" sz="2800" dirty="0" smtClean="0">
-              <a:latin typeface="+mn-lt"/>
-            </a:endParaRPr>
           </a:p>
         </p:txBody>
       </p:sp>
@@ -7441,6 +7493,82 @@
             <a:endParaRPr lang="nl-NL" sz="2800" dirty="0" smtClean="0">
               <a:latin typeface="+mn-lt"/>
             </a:endParaRPr>
+          </a:p>
+        </p:txBody>
+      </p:sp>
+      <p:sp>
+        <p:nvSpPr>
+          <p:cNvPr id="11" name="Right Arrow 10"/>
+          <p:cNvSpPr/>
+          <p:nvPr/>
+        </p:nvSpPr>
+        <p:spPr>
+          <a:xfrm rot="20790491">
+            <a:off x="4686443" y="3126563"/>
+            <a:ext cx="978408" cy="484632"/>
+          </a:xfrm>
+          <a:prstGeom prst="rightArrow">
+            <a:avLst/>
+          </a:prstGeom>
+        </p:spPr>
+        <p:style>
+          <a:lnRef idx="1">
+            <a:schemeClr val="accent2"/>
+          </a:lnRef>
+          <a:fillRef idx="3">
+            <a:schemeClr val="accent2"/>
+          </a:fillRef>
+          <a:effectRef idx="2">
+            <a:schemeClr val="accent2"/>
+          </a:effectRef>
+          <a:fontRef idx="minor">
+            <a:schemeClr val="lt1"/>
+          </a:fontRef>
+        </p:style>
+        <p:txBody>
+          <a:bodyPr rtlCol="0" anchor="ctr"/>
+          <a:lstStyle/>
+          <a:p>
+            <a:pPr algn="ctr"/>
+            <a:endParaRPr lang="nl-NL"/>
+          </a:p>
+        </p:txBody>
+      </p:sp>
+      <p:sp>
+        <p:nvSpPr>
+          <p:cNvPr id="13" name="Right Arrow 12"/>
+          <p:cNvSpPr/>
+          <p:nvPr/>
+        </p:nvSpPr>
+        <p:spPr>
+          <a:xfrm rot="1351619">
+            <a:off x="4698919" y="7010547"/>
+            <a:ext cx="978408" cy="484632"/>
+          </a:xfrm>
+          <a:prstGeom prst="rightArrow">
+            <a:avLst/>
+          </a:prstGeom>
+        </p:spPr>
+        <p:style>
+          <a:lnRef idx="1">
+            <a:schemeClr val="accent2"/>
+          </a:lnRef>
+          <a:fillRef idx="3">
+            <a:schemeClr val="accent2"/>
+          </a:fillRef>
+          <a:effectRef idx="2">
+            <a:schemeClr val="accent2"/>
+          </a:effectRef>
+          <a:fontRef idx="minor">
+            <a:schemeClr val="lt1"/>
+          </a:fontRef>
+        </p:style>
+        <p:txBody>
+          <a:bodyPr rtlCol="0" anchor="ctr"/>
+          <a:lstStyle/>
+          <a:p>
+            <a:pPr algn="ctr"/>
+            <a:endParaRPr lang="nl-NL"/>
           </a:p>
         </p:txBody>
       </p:sp>
@@ -7539,20 +7667,13 @@
             <a:pPr lvl="1"/>
             <a:r>
               <a:rPr lang="nl-NL" dirty="0" smtClean="0"/>
-              <a:t>The basic stuff (</a:t>
-            </a:r>
-            <a:r>
-              <a:rPr lang="nl-NL" dirty="0" smtClean="0">
-                <a:solidFill>
-                  <a:srgbClr val="FF0000"/>
-                </a:solidFill>
-              </a:rPr>
-              <a:t>flipping</a:t>
-            </a:r>
-            <a:r>
-              <a:rPr lang="nl-NL" dirty="0" smtClean="0"/>
-              <a:t> et cetera)</a:t>
-            </a:r>
+              <a:t>The basic </a:t>
+            </a:r>
+            <a:r>
+              <a:rPr lang="nl-NL" dirty="0" smtClean="0"/>
+              <a:t>stuff</a:t>
+            </a:r>
+            <a:endParaRPr lang="nl-NL" dirty="0" smtClean="0"/>
           </a:p>
           <a:p>
             <a:pPr lvl="1"/>
@@ -7610,11 +7731,7 @@
             </a:r>
             <a:r>
               <a:rPr lang="nl-NL" dirty="0" err="1" smtClean="0"/>
-              <a:t>wasn</a:t>
-            </a:r>
-            <a:r>
-              <a:rPr lang="nl-NL" dirty="0" err="1" smtClean="0"/>
-              <a:t>’t</a:t>
+              <a:t>wasn’t</a:t>
             </a:r>
             <a:r>
               <a:rPr lang="nl-NL" dirty="0" smtClean="0"/>
@@ -7636,7 +7753,6 @@
               <a:rPr lang="nl-NL" dirty="0" smtClean="0"/>
               <a:t> -&gt; </a:t>
             </a:r>
-            <a:endParaRPr lang="nl-NL" dirty="0" smtClean="0"/>
           </a:p>
         </p:txBody>
       </p:sp>
@@ -7658,6 +7774,30 @@
           <a:xfrm>
             <a:off x="6410779" y="3211965"/>
             <a:ext cx="6253591" cy="4611234"/>
+          </a:xfrm>
+          <a:prstGeom prst="rect">
+            <a:avLst/>
+          </a:prstGeom>
+        </p:spPr>
+      </p:pic>
+      <p:pic>
+        <p:nvPicPr>
+          <p:cNvPr id="3" name="Picture 2"/>
+          <p:cNvPicPr>
+            <a:picLocks noChangeAspect="1"/>
+          </p:cNvPicPr>
+          <p:nvPr/>
+        </p:nvPicPr>
+        <p:blipFill>
+          <a:blip r:embed="rId3"/>
+          <a:stretch>
+            <a:fillRect/>
+          </a:stretch>
+        </p:blipFill>
+        <p:spPr>
+          <a:xfrm>
+            <a:off x="13046291" y="4664321"/>
+            <a:ext cx="2380761" cy="1706522"/>
           </a:xfrm>
           <a:prstGeom prst="rect">
             <a:avLst/>

--- a/Project/Presentation/Mid_term_presentation.pptx
+++ b/Project/Presentation/Mid_term_presentation.pptx
@@ -290,7 +290,7 @@
             <a:fld id="{17A39E9D-B438-D94D-AF2A-93757548558C}" type="datetime1">
               <a:rPr lang="nl-NL" altLang="nl-NL"/>
               <a:pPr/>
-              <a:t>3-6-2018</a:t>
+              <a:t>4-6-2018</a:t>
             </a:fld>
             <a:endParaRPr lang="nl-NL" altLang="nl-NL"/>
           </a:p>
@@ -502,7 +502,7 @@
             <a:fld id="{3AA95554-0BC3-EC48-BCE0-DB850053191D}" type="datetime1">
               <a:rPr lang="nl-NL" altLang="nl-NL"/>
               <a:pPr/>
-              <a:t>3-6-2018</a:t>
+              <a:t>4-6-2018</a:t>
             </a:fld>
             <a:endParaRPr lang="nl-NL" altLang="nl-NL"/>
           </a:p>
@@ -1025,7 +1025,7 @@
           <a:p>
             <a:fld id="{9E1ED08B-741D-9E48-95DA-82644AB503BC}" type="datetime1">
               <a:rPr lang="nl-NL" altLang="nl-NL" smtClean="0"/>
-              <a:t>3-6-2018</a:t>
+              <a:t>4-6-2018</a:t>
             </a:fld>
             <a:endParaRPr lang="nl-NL" altLang="nl-NL"/>
           </a:p>
@@ -1396,7 +1396,7 @@
             <a:fld id="{9E1ED08B-741D-9E48-95DA-82644AB503BC}" type="datetime1">
               <a:rPr lang="nl-NL" altLang="nl-NL" smtClean="0"/>
               <a:pPr/>
-              <a:t>3-6-2018</a:t>
+              <a:t>4-6-2018</a:t>
             </a:fld>
             <a:endParaRPr lang="nl-NL" altLang="nl-NL" dirty="0"/>
           </a:p>
@@ -1662,7 +1662,7 @@
           <a:p>
             <a:fld id="{46CB0545-8C00-A544-A88F-C33FBC7A7630}" type="datetime1">
               <a:rPr lang="nl-NL" altLang="nl-NL" smtClean="0"/>
-              <a:t>3-6-2018</a:t>
+              <a:t>4-6-2018</a:t>
             </a:fld>
             <a:endParaRPr lang="nl-NL" altLang="nl-NL" dirty="0"/>
           </a:p>
@@ -2056,7 +2056,7 @@
           <a:p>
             <a:fld id="{46CB0545-8C00-A544-A88F-C33FBC7A7630}" type="datetime1">
               <a:rPr lang="nl-NL" altLang="nl-NL" smtClean="0"/>
-              <a:t>3-6-2018</a:t>
+              <a:t>4-6-2018</a:t>
             </a:fld>
             <a:endParaRPr lang="nl-NL" altLang="nl-NL" dirty="0"/>
           </a:p>
@@ -2553,7 +2553,7 @@
             <a:fld id="{B3873A8C-A209-FC40-86BC-D3E9A671FD81}" type="datetime1">
               <a:rPr lang="nl-NL" altLang="nl-NL" smtClean="0"/>
               <a:pPr/>
-              <a:t>3-6-2018</a:t>
+              <a:t>4-6-2018</a:t>
             </a:fld>
             <a:endParaRPr lang="nl-NL" altLang="nl-NL" dirty="0"/>
           </a:p>
@@ -3293,7 +3293,7 @@
             <a:fld id="{FB5CF2AB-20FF-5442-9E53-3C6EDD7FBCEA}" type="datetime1">
               <a:rPr lang="nl-NL" altLang="nl-NL" smtClean="0"/>
               <a:pPr/>
-              <a:t>3-6-2018</a:t>
+              <a:t>4-6-2018</a:t>
             </a:fld>
             <a:endParaRPr lang="nl-NL" altLang="nl-NL" dirty="0"/>
           </a:p>
@@ -4198,7 +4198,6 @@
               <a:rPr lang="nl-NL" dirty="0" smtClean="0"/>
               <a:t>Eh. </a:t>
             </a:r>
-            <a:endParaRPr lang="nl-NL" dirty="0" smtClean="0"/>
           </a:p>
         </p:txBody>
       </p:sp>
@@ -4373,11 +4372,7 @@
             </a:r>
             <a:r>
               <a:rPr lang="nl-NL" dirty="0" smtClean="0"/>
-              <a:t> </a:t>
-            </a:r>
-            <a:r>
-              <a:rPr lang="nl-NL" dirty="0" smtClean="0"/>
-              <a:t>+ </a:t>
+              <a:t> + </a:t>
             </a:r>
             <a:r>
               <a:rPr lang="nl-NL" dirty="0" err="1" smtClean="0"/>
@@ -4443,7 +4438,6 @@
               <a:rPr lang="nl-NL" dirty="0" smtClean="0"/>
               <a:t> background</a:t>
             </a:r>
-            <a:endParaRPr lang="nl-NL" dirty="0" smtClean="0"/>
           </a:p>
         </p:txBody>
       </p:sp>
@@ -4509,11 +4503,7 @@
           <a:p>
             <a:r>
               <a:rPr lang="nl-NL" sz="5400" dirty="0" smtClean="0"/>
-              <a:t>Team Boy </a:t>
-            </a:r>
-            <a:r>
-              <a:rPr lang="nl-NL" sz="5400" dirty="0" smtClean="0"/>
-              <a:t>Band</a:t>
+              <a:t>Team Boy Band</a:t>
             </a:r>
             <a:endParaRPr lang="nl-NL" sz="5400" dirty="0"/>
           </a:p>
@@ -5926,11 +5916,7 @@
             </a:r>
             <a:r>
               <a:rPr lang="nl-NL" dirty="0" smtClean="0"/>
-              <a:t> </a:t>
-            </a:r>
-            <a:r>
-              <a:rPr lang="nl-NL" dirty="0" smtClean="0"/>
-              <a:t>file</a:t>
+              <a:t> file</a:t>
             </a:r>
           </a:p>
           <a:p>
@@ -5948,10 +5934,18 @@
               <a:t> </a:t>
             </a:r>
             <a:r>
-              <a:rPr lang="nl-NL" dirty="0" err="1" smtClean="0"/>
+              <a:rPr lang="nl-NL" dirty="0" err="1" smtClean="0">
+                <a:solidFill>
+                  <a:srgbClr val="FF0000"/>
+                </a:solidFill>
+              </a:rPr>
               <a:t>artifacts</a:t>
             </a:r>
-            <a:endParaRPr lang="nl-NL" dirty="0"/>
+            <a:endParaRPr lang="nl-NL" dirty="0">
+              <a:solidFill>
+                <a:srgbClr val="FF0000"/>
+              </a:solidFill>
+            </a:endParaRPr>
           </a:p>
           <a:p>
             <a:pPr lvl="1"/>
@@ -6363,6 +6357,30 @@
           </a:p>
         </p:txBody>
       </p:sp>
+      <p:pic>
+        <p:nvPicPr>
+          <p:cNvPr id="2" name="Picture 1"/>
+          <p:cNvPicPr>
+            <a:picLocks noChangeAspect="1"/>
+          </p:cNvPicPr>
+          <p:nvPr/>
+        </p:nvPicPr>
+        <p:blipFill>
+          <a:blip r:embed="rId2"/>
+          <a:stretch>
+            <a:fillRect/>
+          </a:stretch>
+        </p:blipFill>
+        <p:spPr>
+          <a:xfrm>
+            <a:off x="11941824" y="4685689"/>
+            <a:ext cx="3867150" cy="3409950"/>
+          </a:xfrm>
+          <a:prstGeom prst="rect">
+            <a:avLst/>
+          </a:prstGeom>
+        </p:spPr>
+      </p:pic>
     </p:spTree>
     <p:extLst>
       <p:ext uri="{BB962C8B-B14F-4D97-AF65-F5344CB8AC3E}">
@@ -7667,13 +7685,8 @@
             <a:pPr lvl="1"/>
             <a:r>
               <a:rPr lang="nl-NL" dirty="0" smtClean="0"/>
-              <a:t>The basic </a:t>
-            </a:r>
-            <a:r>
-              <a:rPr lang="nl-NL" dirty="0" smtClean="0"/>
-              <a:t>stuff</a:t>
-            </a:r>
-            <a:endParaRPr lang="nl-NL" dirty="0" smtClean="0"/>
+              <a:t>The basic stuff</a:t>
+            </a:r>
           </a:p>
           <a:p>
             <a:pPr lvl="1"/>
@@ -7820,7 +7833,75 @@
   <p:timing>
     <p:tnLst>
       <p:par>
-        <p:cTn id="1" dur="indefinite" restart="never" nodeType="tmRoot"/>
+        <p:cTn id="1" dur="indefinite" restart="never" nodeType="tmRoot">
+          <p:childTnLst>
+            <p:seq concurrent="1" nextAc="seek">
+              <p:cTn id="2" dur="indefinite" nodeType="mainSeq">
+                <p:childTnLst>
+                  <p:par>
+                    <p:cTn id="3" fill="hold">
+                      <p:stCondLst>
+                        <p:cond delay="indefinite"/>
+                      </p:stCondLst>
+                      <p:childTnLst>
+                        <p:par>
+                          <p:cTn id="4" fill="hold">
+                            <p:stCondLst>
+                              <p:cond delay="0"/>
+                            </p:stCondLst>
+                            <p:childTnLst>
+                              <p:par>
+                                <p:cTn id="5" presetID="1" presetClass="entr" presetSubtype="0" fill="hold" nodeType="clickEffect">
+                                  <p:stCondLst>
+                                    <p:cond delay="0"/>
+                                  </p:stCondLst>
+                                  <p:childTnLst>
+                                    <p:set>
+                                      <p:cBhvr>
+                                        <p:cTn id="6" dur="1" fill="hold">
+                                          <p:stCondLst>
+                                            <p:cond delay="0"/>
+                                          </p:stCondLst>
+                                        </p:cTn>
+                                        <p:tgtEl>
+                                          <p:spTgt spid="3"/>
+                                        </p:tgtEl>
+                                        <p:attrNameLst>
+                                          <p:attrName>style.visibility</p:attrName>
+                                        </p:attrNameLst>
+                                      </p:cBhvr>
+                                      <p:to>
+                                        <p:strVal val="visible"/>
+                                      </p:to>
+                                    </p:set>
+                                  </p:childTnLst>
+                                </p:cTn>
+                              </p:par>
+                            </p:childTnLst>
+                          </p:cTn>
+                        </p:par>
+                      </p:childTnLst>
+                    </p:cTn>
+                  </p:par>
+                </p:childTnLst>
+              </p:cTn>
+              <p:prevCondLst>
+                <p:cond evt="onPrev" delay="0">
+                  <p:tgtEl>
+                    <p:sldTgt/>
+                  </p:tgtEl>
+                </p:cond>
+              </p:prevCondLst>
+              <p:nextCondLst>
+                <p:cond evt="onNext" delay="0">
+                  <p:tgtEl>
+                    <p:sldTgt/>
+                  </p:tgtEl>
+                </p:cond>
+              </p:nextCondLst>
+            </p:seq>
+          </p:childTnLst>
+        </p:cTn>
       </p:par>
     </p:tnLst>
   </p:timing>
@@ -7884,7 +7965,7 @@
         </p:nvSpPr>
         <p:spPr>
           <a:xfrm>
-            <a:off x="919891" y="1799999"/>
+            <a:off x="193060" y="1546301"/>
             <a:ext cx="14889083" cy="7020000"/>
           </a:xfrm>
         </p:spPr>
@@ -7895,7 +7976,20 @@
             <a:pPr marL="605148" lvl="1" indent="0">
               <a:buNone/>
             </a:pPr>
-            <a:endParaRPr lang="nl-NL" i="1" dirty="0" smtClean="0"/>
+            <a:r>
+              <a:rPr lang="nl-NL" b="1" dirty="0" smtClean="0"/>
+              <a:t>2015</a:t>
+            </a:r>
+          </a:p>
+          <a:p>
+            <a:pPr marL="605148" lvl="1" indent="0">
+              <a:buNone/>
+            </a:pPr>
+            <a:r>
+              <a:rPr lang="nl-NL" b="1" dirty="0" smtClean="0"/>
+              <a:t>Uni of Freiburg</a:t>
+            </a:r>
+            <a:endParaRPr lang="nl-NL" b="1" dirty="0"/>
           </a:p>
         </p:txBody>
       </p:sp>
